--- a/Sequência de Ensino/XNA/Slide.pptx
+++ b/Sequência de Ensino/XNA/Slide.pptx
@@ -1,29 +1,124 @@
 
 <file path=ppt/presentation.xml><?xml version="1.0" encoding="utf-8"?>
-<p:presentation xmlns:a="http://schemas.openxmlformats.org/drawingml/2006/main" xmlns:p="http://schemas.openxmlformats.org/presentationml/2006/main" xmlns:r="http://schemas.openxmlformats.org/officeDocument/2006/relationships">
+<p:presentation xmlns:a="http://schemas.openxmlformats.org/drawingml/2006/main" xmlns:r="http://schemas.openxmlformats.org/officeDocument/2006/relationships" xmlns:p="http://schemas.openxmlformats.org/presentationml/2006/main">
   <p:sldMasterIdLst>
-    <p:sldMasterId id="2147483648" r:id="rId2"/>
-    <p:sldMasterId id="2147483661" r:id="rId3"/>
+    <p:sldMasterId id="2147483648" r:id="rId1"/>
+    <p:sldMasterId id="2147483661" r:id="rId2"/>
   </p:sldMasterIdLst>
   <p:sldIdLst>
-    <p:sldId id="256" r:id="rId4"/>
-    <p:sldId id="257" r:id="rId5"/>
-    <p:sldId id="258" r:id="rId6"/>
-    <p:sldId id="259" r:id="rId7"/>
-    <p:sldId id="260" r:id="rId8"/>
-    <p:sldId id="261" r:id="rId9"/>
-    <p:sldId id="262" r:id="rId10"/>
-    <p:sldId id="263" r:id="rId11"/>
-    <p:sldId id="264" r:id="rId12"/>
-    <p:sldId id="265" r:id="rId13"/>
+    <p:sldId id="256" r:id="rId3"/>
+    <p:sldId id="257" r:id="rId4"/>
+    <p:sldId id="258" r:id="rId5"/>
+    <p:sldId id="259" r:id="rId6"/>
+    <p:sldId id="260" r:id="rId7"/>
+    <p:sldId id="261" r:id="rId8"/>
+    <p:sldId id="262" r:id="rId9"/>
+    <p:sldId id="263" r:id="rId10"/>
+    <p:sldId id="264" r:id="rId11"/>
+    <p:sldId id="265" r:id="rId12"/>
   </p:sldIdLst>
-  <p:sldSz cx="9144000" cy="6858000"/>
-  <p:notesSz cx="7559675" cy="10691812"/>
+  <p:sldSz cx="9144000" cy="6858000" type="screen4x3"/>
+  <p:notesSz cx="7559675" cy="10691813"/>
+  <p:defaultTextStyle>
+    <a:defPPr>
+      <a:defRPr lang="pt-BR"/>
+    </a:defPPr>
+    <a:lvl1pPr marL="0" algn="l" defTabSz="914400" rtl="0" eaLnBrk="1" latinLnBrk="0" hangingPunct="1">
+      <a:defRPr sz="1800" kern="1200">
+        <a:solidFill>
+          <a:schemeClr val="tx1"/>
+        </a:solidFill>
+        <a:latin typeface="+mn-lt"/>
+        <a:ea typeface="+mn-ea"/>
+        <a:cs typeface="+mn-cs"/>
+      </a:defRPr>
+    </a:lvl1pPr>
+    <a:lvl2pPr marL="457200" algn="l" defTabSz="914400" rtl="0" eaLnBrk="1" latinLnBrk="0" hangingPunct="1">
+      <a:defRPr sz="1800" kern="1200">
+        <a:solidFill>
+          <a:schemeClr val="tx1"/>
+        </a:solidFill>
+        <a:latin typeface="+mn-lt"/>
+        <a:ea typeface="+mn-ea"/>
+        <a:cs typeface="+mn-cs"/>
+      </a:defRPr>
+    </a:lvl2pPr>
+    <a:lvl3pPr marL="914400" algn="l" defTabSz="914400" rtl="0" eaLnBrk="1" latinLnBrk="0" hangingPunct="1">
+      <a:defRPr sz="1800" kern="1200">
+        <a:solidFill>
+          <a:schemeClr val="tx1"/>
+        </a:solidFill>
+        <a:latin typeface="+mn-lt"/>
+        <a:ea typeface="+mn-ea"/>
+        <a:cs typeface="+mn-cs"/>
+      </a:defRPr>
+    </a:lvl3pPr>
+    <a:lvl4pPr marL="1371600" algn="l" defTabSz="914400" rtl="0" eaLnBrk="1" latinLnBrk="0" hangingPunct="1">
+      <a:defRPr sz="1800" kern="1200">
+        <a:solidFill>
+          <a:schemeClr val="tx1"/>
+        </a:solidFill>
+        <a:latin typeface="+mn-lt"/>
+        <a:ea typeface="+mn-ea"/>
+        <a:cs typeface="+mn-cs"/>
+      </a:defRPr>
+    </a:lvl4pPr>
+    <a:lvl5pPr marL="1828800" algn="l" defTabSz="914400" rtl="0" eaLnBrk="1" latinLnBrk="0" hangingPunct="1">
+      <a:defRPr sz="1800" kern="1200">
+        <a:solidFill>
+          <a:schemeClr val="tx1"/>
+        </a:solidFill>
+        <a:latin typeface="+mn-lt"/>
+        <a:ea typeface="+mn-ea"/>
+        <a:cs typeface="+mn-cs"/>
+      </a:defRPr>
+    </a:lvl5pPr>
+    <a:lvl6pPr marL="2286000" algn="l" defTabSz="914400" rtl="0" eaLnBrk="1" latinLnBrk="0" hangingPunct="1">
+      <a:defRPr sz="1800" kern="1200">
+        <a:solidFill>
+          <a:schemeClr val="tx1"/>
+        </a:solidFill>
+        <a:latin typeface="+mn-lt"/>
+        <a:ea typeface="+mn-ea"/>
+        <a:cs typeface="+mn-cs"/>
+      </a:defRPr>
+    </a:lvl6pPr>
+    <a:lvl7pPr marL="2743200" algn="l" defTabSz="914400" rtl="0" eaLnBrk="1" latinLnBrk="0" hangingPunct="1">
+      <a:defRPr sz="1800" kern="1200">
+        <a:solidFill>
+          <a:schemeClr val="tx1"/>
+        </a:solidFill>
+        <a:latin typeface="+mn-lt"/>
+        <a:ea typeface="+mn-ea"/>
+        <a:cs typeface="+mn-cs"/>
+      </a:defRPr>
+    </a:lvl7pPr>
+    <a:lvl8pPr marL="3200400" algn="l" defTabSz="914400" rtl="0" eaLnBrk="1" latinLnBrk="0" hangingPunct="1">
+      <a:defRPr sz="1800" kern="1200">
+        <a:solidFill>
+          <a:schemeClr val="tx1"/>
+        </a:solidFill>
+        <a:latin typeface="+mn-lt"/>
+        <a:ea typeface="+mn-ea"/>
+        <a:cs typeface="+mn-cs"/>
+      </a:defRPr>
+    </a:lvl8pPr>
+    <a:lvl9pPr marL="3657600" algn="l" defTabSz="914400" rtl="0" eaLnBrk="1" latinLnBrk="0" hangingPunct="1">
+      <a:defRPr sz="1800" kern="1200">
+        <a:solidFill>
+          <a:schemeClr val="tx1"/>
+        </a:solidFill>
+        <a:latin typeface="+mn-lt"/>
+        <a:ea typeface="+mn-ea"/>
+        <a:cs typeface="+mn-cs"/>
+      </a:defRPr>
+    </a:lvl9pPr>
+  </p:defaultTextStyle>
 </p:presentation>
 </file>
 
 <file path=ppt/slideLayouts/slideLayout1.xml><?xml version="1.0" encoding="utf-8"?>
-<p:sldLayout xmlns:a="http://schemas.openxmlformats.org/drawingml/2006/main" xmlns:p="http://schemas.openxmlformats.org/presentationml/2006/main" xmlns:r="http://schemas.openxmlformats.org/officeDocument/2006/relationships" preserve="1" type="blank">
+<p:sldLayout xmlns:a="http://schemas.openxmlformats.org/drawingml/2006/main" xmlns:r="http://schemas.openxmlformats.org/officeDocument/2006/relationships" xmlns:p="http://schemas.openxmlformats.org/presentationml/2006/main" type="blank" preserve="1">
   <p:cSld name="Blank Slide">
     <p:spTree>
       <p:nvGrpSpPr>
@@ -41,11 +136,14 @@
       </p:grpSpPr>
     </p:spTree>
   </p:cSld>
+  <p:clrMapOvr>
+    <a:masterClrMapping/>
+  </p:clrMapOvr>
 </p:sldLayout>
 </file>
 
 <file path=ppt/slideLayouts/slideLayout10.xml><?xml version="1.0" encoding="utf-8"?>
-<p:sldLayout xmlns:a="http://schemas.openxmlformats.org/drawingml/2006/main" xmlns:p="http://schemas.openxmlformats.org/presentationml/2006/main" xmlns:r="http://schemas.openxmlformats.org/officeDocument/2006/relationships" preserve="1" type="objOverTx">
+<p:sldLayout xmlns:a="http://schemas.openxmlformats.org/drawingml/2006/main" xmlns:r="http://schemas.openxmlformats.org/officeDocument/2006/relationships" xmlns:p="http://schemas.openxmlformats.org/presentationml/2006/main" type="objOverTx" preserve="1">
   <p:cSld name="Title, Content over Content">
     <p:spTree>
       <p:nvGrpSpPr>
@@ -81,7 +179,8 @@
           </a:prstGeom>
         </p:spPr>
         <p:txBody>
-          <a:bodyPr anchor="ctr" bIns="0" lIns="0" rIns="0" tIns="0" wrap="none"/>
+          <a:bodyPr wrap="none" lIns="0" tIns="0" rIns="0" bIns="0" anchor="ctr"/>
+          <a:lstStyle/>
           <a:p>
             <a:endParaRPr/>
           </a:p>
@@ -107,7 +206,8 @@
           </a:prstGeom>
         </p:spPr>
         <p:txBody>
-          <a:bodyPr bIns="0" lIns="0" rIns="0" tIns="0" wrap="none"/>
+          <a:bodyPr wrap="none" lIns="0" tIns="0" rIns="0" bIns="0"/>
+          <a:lstStyle/>
           <a:p>
             <a:endParaRPr/>
           </a:p>
@@ -133,7 +233,8 @@
           </a:prstGeom>
         </p:spPr>
         <p:txBody>
-          <a:bodyPr bIns="0" lIns="0" rIns="0" tIns="0" wrap="none"/>
+          <a:bodyPr wrap="none" lIns="0" tIns="0" rIns="0" bIns="0"/>
+          <a:lstStyle/>
           <a:p>
             <a:endParaRPr/>
           </a:p>
@@ -141,11 +242,14 @@
       </p:sp>
     </p:spTree>
   </p:cSld>
+  <p:clrMapOvr>
+    <a:masterClrMapping/>
+  </p:clrMapOvr>
 </p:sldLayout>
 </file>
 
 <file path=ppt/slideLayouts/slideLayout11.xml><?xml version="1.0" encoding="utf-8"?>
-<p:sldLayout xmlns:a="http://schemas.openxmlformats.org/drawingml/2006/main" xmlns:p="http://schemas.openxmlformats.org/presentationml/2006/main" xmlns:r="http://schemas.openxmlformats.org/officeDocument/2006/relationships" preserve="1" type="fourObj">
+<p:sldLayout xmlns:a="http://schemas.openxmlformats.org/drawingml/2006/main" xmlns:r="http://schemas.openxmlformats.org/officeDocument/2006/relationships" xmlns:p="http://schemas.openxmlformats.org/presentationml/2006/main" type="fourObj" preserve="1">
   <p:cSld name="Title, 4 Content">
     <p:spTree>
       <p:nvGrpSpPr>
@@ -181,7 +285,8 @@
           </a:prstGeom>
         </p:spPr>
         <p:txBody>
-          <a:bodyPr anchor="ctr" bIns="0" lIns="0" rIns="0" tIns="0" wrap="none"/>
+          <a:bodyPr wrap="none" lIns="0" tIns="0" rIns="0" bIns="0" anchor="ctr"/>
+          <a:lstStyle/>
           <a:p>
             <a:endParaRPr/>
           </a:p>
@@ -207,7 +312,8 @@
           </a:prstGeom>
         </p:spPr>
         <p:txBody>
-          <a:bodyPr bIns="0" lIns="0" rIns="0" tIns="0" wrap="none"/>
+          <a:bodyPr wrap="none" lIns="0" tIns="0" rIns="0" bIns="0"/>
+          <a:lstStyle/>
           <a:p>
             <a:endParaRPr/>
           </a:p>
@@ -233,7 +339,8 @@
           </a:prstGeom>
         </p:spPr>
         <p:txBody>
-          <a:bodyPr bIns="0" lIns="0" rIns="0" tIns="0" wrap="none"/>
+          <a:bodyPr wrap="none" lIns="0" tIns="0" rIns="0" bIns="0"/>
+          <a:lstStyle/>
           <a:p>
             <a:endParaRPr/>
           </a:p>
@@ -259,7 +366,8 @@
           </a:prstGeom>
         </p:spPr>
         <p:txBody>
-          <a:bodyPr bIns="0" lIns="0" rIns="0" tIns="0" wrap="none"/>
+          <a:bodyPr wrap="none" lIns="0" tIns="0" rIns="0" bIns="0"/>
+          <a:lstStyle/>
           <a:p>
             <a:endParaRPr/>
           </a:p>
@@ -285,7 +393,8 @@
           </a:prstGeom>
         </p:spPr>
         <p:txBody>
-          <a:bodyPr bIns="0" lIns="0" rIns="0" tIns="0" wrap="none"/>
+          <a:bodyPr wrap="none" lIns="0" tIns="0" rIns="0" bIns="0"/>
+          <a:lstStyle/>
           <a:p>
             <a:endParaRPr/>
           </a:p>
@@ -293,11 +402,14 @@
       </p:sp>
     </p:spTree>
   </p:cSld>
+  <p:clrMapOvr>
+    <a:masterClrMapping/>
+  </p:clrMapOvr>
 </p:sldLayout>
 </file>
 
 <file path=ppt/slideLayouts/slideLayout12.xml><?xml version="1.0" encoding="utf-8"?>
-<p:sldLayout xmlns:a="http://schemas.openxmlformats.org/drawingml/2006/main" xmlns:p="http://schemas.openxmlformats.org/presentationml/2006/main" xmlns:r="http://schemas.openxmlformats.org/officeDocument/2006/relationships" preserve="1" type="blank">
+<p:sldLayout xmlns:a="http://schemas.openxmlformats.org/drawingml/2006/main" xmlns:r="http://schemas.openxmlformats.org/officeDocument/2006/relationships" xmlns:p="http://schemas.openxmlformats.org/presentationml/2006/main" type="blank" preserve="1">
   <p:cSld name="Title, 6 Content">
     <p:spTree>
       <p:nvGrpSpPr>
@@ -333,7 +445,8 @@
           </a:prstGeom>
         </p:spPr>
         <p:txBody>
-          <a:bodyPr anchor="ctr" bIns="0" lIns="0" rIns="0" tIns="0" wrap="none"/>
+          <a:bodyPr wrap="none" lIns="0" tIns="0" rIns="0" bIns="0" anchor="ctr"/>
+          <a:lstStyle/>
           <a:p>
             <a:endParaRPr/>
           </a:p>
@@ -359,7 +472,8 @@
           </a:prstGeom>
         </p:spPr>
         <p:txBody>
-          <a:bodyPr bIns="0" lIns="0" rIns="0" tIns="0" wrap="none"/>
+          <a:bodyPr wrap="none" lIns="0" tIns="0" rIns="0" bIns="0"/>
+          <a:lstStyle/>
           <a:p>
             <a:endParaRPr/>
           </a:p>
@@ -385,7 +499,8 @@
           </a:prstGeom>
         </p:spPr>
         <p:txBody>
-          <a:bodyPr bIns="0" lIns="0" rIns="0" tIns="0" wrap="none"/>
+          <a:bodyPr wrap="none" lIns="0" tIns="0" rIns="0" bIns="0"/>
+          <a:lstStyle/>
           <a:p>
             <a:endParaRPr/>
           </a:p>
@@ -393,7 +508,7 @@
       </p:sp>
       <p:pic>
         <p:nvPicPr>
-          <p:cNvPr descr="" id="34" name=""/>
+          <p:cNvPr id="34" name="Imagem 33"/>
           <p:cNvPicPr/>
           <p:nvPr/>
         </p:nvPicPr>
@@ -418,12 +533,12 @@
       </p:pic>
       <p:pic>
         <p:nvPicPr>
-          <p:cNvPr descr="" id="35" name=""/>
+          <p:cNvPr id="35" name="Imagem 34"/>
           <p:cNvPicPr/>
           <p:nvPr/>
         </p:nvPicPr>
         <p:blipFill>
-          <a:blip r:embed="rId3"/>
+          <a:blip r:embed="rId2"/>
           <a:stretch>
             <a:fillRect/>
           </a:stretch>
@@ -443,11 +558,14 @@
       </p:pic>
     </p:spTree>
   </p:cSld>
+  <p:clrMapOvr>
+    <a:masterClrMapping/>
+  </p:clrMapOvr>
 </p:sldLayout>
 </file>
 
 <file path=ppt/slideLayouts/slideLayout13.xml><?xml version="1.0" encoding="utf-8"?>
-<p:sldLayout xmlns:a="http://schemas.openxmlformats.org/drawingml/2006/main" xmlns:p="http://schemas.openxmlformats.org/presentationml/2006/main" xmlns:r="http://schemas.openxmlformats.org/officeDocument/2006/relationships" preserve="1" type="blank">
+<p:sldLayout xmlns:a="http://schemas.openxmlformats.org/drawingml/2006/main" xmlns:r="http://schemas.openxmlformats.org/officeDocument/2006/relationships" xmlns:p="http://schemas.openxmlformats.org/presentationml/2006/main" type="blank" preserve="1">
   <p:cSld name="Blank Slide">
     <p:spTree>
       <p:nvGrpSpPr>
@@ -465,11 +583,14 @@
       </p:grpSpPr>
     </p:spTree>
   </p:cSld>
+  <p:clrMapOvr>
+    <a:masterClrMapping/>
+  </p:clrMapOvr>
 </p:sldLayout>
 </file>
 
 <file path=ppt/slideLayouts/slideLayout14.xml><?xml version="1.0" encoding="utf-8"?>
-<p:sldLayout xmlns:a="http://schemas.openxmlformats.org/drawingml/2006/main" xmlns:p="http://schemas.openxmlformats.org/presentationml/2006/main" xmlns:r="http://schemas.openxmlformats.org/officeDocument/2006/relationships" preserve="1" type="tx">
+<p:sldLayout xmlns:a="http://schemas.openxmlformats.org/drawingml/2006/main" xmlns:r="http://schemas.openxmlformats.org/officeDocument/2006/relationships" xmlns:p="http://schemas.openxmlformats.org/presentationml/2006/main" type="tx" preserve="1">
   <p:cSld name="Title Slide">
     <p:spTree>
       <p:nvGrpSpPr>
@@ -505,7 +626,8 @@
           </a:prstGeom>
         </p:spPr>
         <p:txBody>
-          <a:bodyPr anchor="ctr" bIns="0" lIns="0" rIns="0" tIns="0" wrap="none"/>
+          <a:bodyPr wrap="none" lIns="0" tIns="0" rIns="0" bIns="0" anchor="ctr"/>
+          <a:lstStyle/>
           <a:p>
             <a:endParaRPr/>
           </a:p>
@@ -531,7 +653,8 @@
           </a:prstGeom>
         </p:spPr>
         <p:txBody>
-          <a:bodyPr anchor="ctr" bIns="0" lIns="0" rIns="0" tIns="0" wrap="none"/>
+          <a:bodyPr wrap="none" lIns="0" tIns="0" rIns="0" bIns="0" anchor="ctr"/>
+          <a:lstStyle/>
           <a:p>
             <a:pPr algn="ctr"/>
             <a:endParaRPr/>
@@ -540,11 +663,14 @@
       </p:sp>
     </p:spTree>
   </p:cSld>
+  <p:clrMapOvr>
+    <a:masterClrMapping/>
+  </p:clrMapOvr>
 </p:sldLayout>
 </file>
 
 <file path=ppt/slideLayouts/slideLayout15.xml><?xml version="1.0" encoding="utf-8"?>
-<p:sldLayout xmlns:a="http://schemas.openxmlformats.org/drawingml/2006/main" xmlns:p="http://schemas.openxmlformats.org/presentationml/2006/main" xmlns:r="http://schemas.openxmlformats.org/officeDocument/2006/relationships" preserve="1" type="obj">
+<p:sldLayout xmlns:a="http://schemas.openxmlformats.org/drawingml/2006/main" xmlns:r="http://schemas.openxmlformats.org/officeDocument/2006/relationships" xmlns:p="http://schemas.openxmlformats.org/presentationml/2006/main" type="obj" preserve="1">
   <p:cSld name="Title, Content">
     <p:spTree>
       <p:nvGrpSpPr>
@@ -580,7 +706,8 @@
           </a:prstGeom>
         </p:spPr>
         <p:txBody>
-          <a:bodyPr anchor="ctr" bIns="0" lIns="0" rIns="0" tIns="0" wrap="none"/>
+          <a:bodyPr wrap="none" lIns="0" tIns="0" rIns="0" bIns="0" anchor="ctr"/>
+          <a:lstStyle/>
           <a:p>
             <a:endParaRPr/>
           </a:p>
@@ -606,7 +733,8 @@
           </a:prstGeom>
         </p:spPr>
         <p:txBody>
-          <a:bodyPr bIns="0" lIns="0" rIns="0" tIns="0" wrap="none"/>
+          <a:bodyPr wrap="none" lIns="0" tIns="0" rIns="0" bIns="0"/>
+          <a:lstStyle/>
           <a:p>
             <a:endParaRPr/>
           </a:p>
@@ -614,11 +742,14 @@
       </p:sp>
     </p:spTree>
   </p:cSld>
+  <p:clrMapOvr>
+    <a:masterClrMapping/>
+  </p:clrMapOvr>
 </p:sldLayout>
 </file>
 
 <file path=ppt/slideLayouts/slideLayout16.xml><?xml version="1.0" encoding="utf-8"?>
-<p:sldLayout xmlns:a="http://schemas.openxmlformats.org/drawingml/2006/main" xmlns:p="http://schemas.openxmlformats.org/presentationml/2006/main" xmlns:r="http://schemas.openxmlformats.org/officeDocument/2006/relationships" preserve="1" type="twoObj">
+<p:sldLayout xmlns:a="http://schemas.openxmlformats.org/drawingml/2006/main" xmlns:r="http://schemas.openxmlformats.org/officeDocument/2006/relationships" xmlns:p="http://schemas.openxmlformats.org/presentationml/2006/main" type="twoObj" preserve="1">
   <p:cSld name="Title, 2 Content">
     <p:spTree>
       <p:nvGrpSpPr>
@@ -654,7 +785,8 @@
           </a:prstGeom>
         </p:spPr>
         <p:txBody>
-          <a:bodyPr anchor="ctr" bIns="0" lIns="0" rIns="0" tIns="0" wrap="none"/>
+          <a:bodyPr wrap="none" lIns="0" tIns="0" rIns="0" bIns="0" anchor="ctr"/>
+          <a:lstStyle/>
           <a:p>
             <a:endParaRPr/>
           </a:p>
@@ -680,7 +812,8 @@
           </a:prstGeom>
         </p:spPr>
         <p:txBody>
-          <a:bodyPr bIns="0" lIns="0" rIns="0" tIns="0" wrap="none"/>
+          <a:bodyPr wrap="none" lIns="0" tIns="0" rIns="0" bIns="0"/>
+          <a:lstStyle/>
           <a:p>
             <a:endParaRPr/>
           </a:p>
@@ -706,7 +839,8 @@
           </a:prstGeom>
         </p:spPr>
         <p:txBody>
-          <a:bodyPr bIns="0" lIns="0" rIns="0" tIns="0" wrap="none"/>
+          <a:bodyPr wrap="none" lIns="0" tIns="0" rIns="0" bIns="0"/>
+          <a:lstStyle/>
           <a:p>
             <a:endParaRPr/>
           </a:p>
@@ -714,11 +848,14 @@
       </p:sp>
     </p:spTree>
   </p:cSld>
+  <p:clrMapOvr>
+    <a:masterClrMapping/>
+  </p:clrMapOvr>
 </p:sldLayout>
 </file>
 
 <file path=ppt/slideLayouts/slideLayout17.xml><?xml version="1.0" encoding="utf-8"?>
-<p:sldLayout xmlns:a="http://schemas.openxmlformats.org/drawingml/2006/main" xmlns:p="http://schemas.openxmlformats.org/presentationml/2006/main" xmlns:r="http://schemas.openxmlformats.org/officeDocument/2006/relationships" preserve="1" type="titleOnly">
+<p:sldLayout xmlns:a="http://schemas.openxmlformats.org/drawingml/2006/main" xmlns:r="http://schemas.openxmlformats.org/officeDocument/2006/relationships" xmlns:p="http://schemas.openxmlformats.org/presentationml/2006/main" type="titleOnly" preserve="1">
   <p:cSld name="Title Only">
     <p:spTree>
       <p:nvGrpSpPr>
@@ -754,7 +891,8 @@
           </a:prstGeom>
         </p:spPr>
         <p:txBody>
-          <a:bodyPr anchor="ctr" bIns="0" lIns="0" rIns="0" tIns="0" wrap="none"/>
+          <a:bodyPr wrap="none" lIns="0" tIns="0" rIns="0" bIns="0" anchor="ctr"/>
+          <a:lstStyle/>
           <a:p>
             <a:endParaRPr/>
           </a:p>
@@ -762,11 +900,14 @@
       </p:sp>
     </p:spTree>
   </p:cSld>
+  <p:clrMapOvr>
+    <a:masterClrMapping/>
+  </p:clrMapOvr>
 </p:sldLayout>
 </file>
 
 <file path=ppt/slideLayouts/slideLayout18.xml><?xml version="1.0" encoding="utf-8"?>
-<p:sldLayout xmlns:a="http://schemas.openxmlformats.org/drawingml/2006/main" xmlns:p="http://schemas.openxmlformats.org/presentationml/2006/main" xmlns:r="http://schemas.openxmlformats.org/officeDocument/2006/relationships" preserve="1" type="objOnly">
+<p:sldLayout xmlns:a="http://schemas.openxmlformats.org/drawingml/2006/main" xmlns:r="http://schemas.openxmlformats.org/officeDocument/2006/relationships" xmlns:p="http://schemas.openxmlformats.org/presentationml/2006/main" type="objOnly" preserve="1">
   <p:cSld name="Centered Text">
     <p:spTree>
       <p:nvGrpSpPr>
@@ -802,7 +943,8 @@
           </a:prstGeom>
         </p:spPr>
         <p:txBody>
-          <a:bodyPr anchor="ctr" bIns="0" lIns="0" rIns="0" tIns="0" wrap="none"/>
+          <a:bodyPr wrap="none" lIns="0" tIns="0" rIns="0" bIns="0" anchor="ctr"/>
+          <a:lstStyle/>
           <a:p>
             <a:pPr algn="ctr"/>
             <a:endParaRPr/>
@@ -811,11 +953,14 @@
       </p:sp>
     </p:spTree>
   </p:cSld>
+  <p:clrMapOvr>
+    <a:masterClrMapping/>
+  </p:clrMapOvr>
 </p:sldLayout>
 </file>
 
 <file path=ppt/slideLayouts/slideLayout19.xml><?xml version="1.0" encoding="utf-8"?>
-<p:sldLayout xmlns:a="http://schemas.openxmlformats.org/drawingml/2006/main" xmlns:p="http://schemas.openxmlformats.org/presentationml/2006/main" xmlns:r="http://schemas.openxmlformats.org/officeDocument/2006/relationships" preserve="1" type="twoObjAndObj">
+<p:sldLayout xmlns:a="http://schemas.openxmlformats.org/drawingml/2006/main" xmlns:r="http://schemas.openxmlformats.org/officeDocument/2006/relationships" xmlns:p="http://schemas.openxmlformats.org/presentationml/2006/main" type="twoObjAndObj" preserve="1">
   <p:cSld name="Title, 2 Content and Content">
     <p:spTree>
       <p:nvGrpSpPr>
@@ -851,7 +996,8 @@
           </a:prstGeom>
         </p:spPr>
         <p:txBody>
-          <a:bodyPr anchor="ctr" bIns="0" lIns="0" rIns="0" tIns="0" wrap="none"/>
+          <a:bodyPr wrap="none" lIns="0" tIns="0" rIns="0" bIns="0" anchor="ctr"/>
+          <a:lstStyle/>
           <a:p>
             <a:endParaRPr/>
           </a:p>
@@ -877,7 +1023,8 @@
           </a:prstGeom>
         </p:spPr>
         <p:txBody>
-          <a:bodyPr bIns="0" lIns="0" rIns="0" tIns="0" wrap="none"/>
+          <a:bodyPr wrap="none" lIns="0" tIns="0" rIns="0" bIns="0"/>
+          <a:lstStyle/>
           <a:p>
             <a:endParaRPr/>
           </a:p>
@@ -903,7 +1050,8 @@
           </a:prstGeom>
         </p:spPr>
         <p:txBody>
-          <a:bodyPr bIns="0" lIns="0" rIns="0" tIns="0" wrap="none"/>
+          <a:bodyPr wrap="none" lIns="0" tIns="0" rIns="0" bIns="0"/>
+          <a:lstStyle/>
           <a:p>
             <a:endParaRPr/>
           </a:p>
@@ -929,7 +1077,8 @@
           </a:prstGeom>
         </p:spPr>
         <p:txBody>
-          <a:bodyPr bIns="0" lIns="0" rIns="0" tIns="0" wrap="none"/>
+          <a:bodyPr wrap="none" lIns="0" tIns="0" rIns="0" bIns="0"/>
+          <a:lstStyle/>
           <a:p>
             <a:endParaRPr/>
           </a:p>
@@ -937,11 +1086,14 @@
       </p:sp>
     </p:spTree>
   </p:cSld>
+  <p:clrMapOvr>
+    <a:masterClrMapping/>
+  </p:clrMapOvr>
 </p:sldLayout>
 </file>
 
 <file path=ppt/slideLayouts/slideLayout2.xml><?xml version="1.0" encoding="utf-8"?>
-<p:sldLayout xmlns:a="http://schemas.openxmlformats.org/drawingml/2006/main" xmlns:p="http://schemas.openxmlformats.org/presentationml/2006/main" xmlns:r="http://schemas.openxmlformats.org/officeDocument/2006/relationships" preserve="1" type="tx">
+<p:sldLayout xmlns:a="http://schemas.openxmlformats.org/drawingml/2006/main" xmlns:r="http://schemas.openxmlformats.org/officeDocument/2006/relationships" xmlns:p="http://schemas.openxmlformats.org/presentationml/2006/main" type="tx" preserve="1">
   <p:cSld name="Title Slide">
     <p:spTree>
       <p:nvGrpSpPr>
@@ -977,7 +1129,8 @@
           </a:prstGeom>
         </p:spPr>
         <p:txBody>
-          <a:bodyPr anchor="ctr" bIns="0" lIns="0" rIns="0" tIns="0" wrap="none"/>
+          <a:bodyPr wrap="none" lIns="0" tIns="0" rIns="0" bIns="0" anchor="ctr"/>
+          <a:lstStyle/>
           <a:p>
             <a:endParaRPr/>
           </a:p>
@@ -1003,7 +1156,8 @@
           </a:prstGeom>
         </p:spPr>
         <p:txBody>
-          <a:bodyPr anchor="ctr" bIns="0" lIns="0" rIns="0" tIns="0" wrap="none"/>
+          <a:bodyPr wrap="none" lIns="0" tIns="0" rIns="0" bIns="0" anchor="ctr"/>
+          <a:lstStyle/>
           <a:p>
             <a:pPr algn="ctr"/>
             <a:endParaRPr/>
@@ -1012,11 +1166,14 @@
       </p:sp>
     </p:spTree>
   </p:cSld>
+  <p:clrMapOvr>
+    <a:masterClrMapping/>
+  </p:clrMapOvr>
 </p:sldLayout>
 </file>
 
 <file path=ppt/slideLayouts/slideLayout20.xml><?xml version="1.0" encoding="utf-8"?>
-<p:sldLayout xmlns:a="http://schemas.openxmlformats.org/drawingml/2006/main" xmlns:p="http://schemas.openxmlformats.org/presentationml/2006/main" xmlns:r="http://schemas.openxmlformats.org/officeDocument/2006/relationships" preserve="1" type="objAndTwoObj">
+<p:sldLayout xmlns:a="http://schemas.openxmlformats.org/drawingml/2006/main" xmlns:r="http://schemas.openxmlformats.org/officeDocument/2006/relationships" xmlns:p="http://schemas.openxmlformats.org/presentationml/2006/main" type="objAndTwoObj" preserve="1">
   <p:cSld name="Title Content and 2 Content">
     <p:spTree>
       <p:nvGrpSpPr>
@@ -1052,7 +1209,8 @@
           </a:prstGeom>
         </p:spPr>
         <p:txBody>
-          <a:bodyPr anchor="ctr" bIns="0" lIns="0" rIns="0" tIns="0" wrap="none"/>
+          <a:bodyPr wrap="none" lIns="0" tIns="0" rIns="0" bIns="0" anchor="ctr"/>
+          <a:lstStyle/>
           <a:p>
             <a:endParaRPr/>
           </a:p>
@@ -1078,7 +1236,8 @@
           </a:prstGeom>
         </p:spPr>
         <p:txBody>
-          <a:bodyPr bIns="0" lIns="0" rIns="0" tIns="0" wrap="none"/>
+          <a:bodyPr wrap="none" lIns="0" tIns="0" rIns="0" bIns="0"/>
+          <a:lstStyle/>
           <a:p>
             <a:endParaRPr/>
           </a:p>
@@ -1104,7 +1263,8 @@
           </a:prstGeom>
         </p:spPr>
         <p:txBody>
-          <a:bodyPr bIns="0" lIns="0" rIns="0" tIns="0" wrap="none"/>
+          <a:bodyPr wrap="none" lIns="0" tIns="0" rIns="0" bIns="0"/>
+          <a:lstStyle/>
           <a:p>
             <a:endParaRPr/>
           </a:p>
@@ -1130,7 +1290,8 @@
           </a:prstGeom>
         </p:spPr>
         <p:txBody>
-          <a:bodyPr bIns="0" lIns="0" rIns="0" tIns="0" wrap="none"/>
+          <a:bodyPr wrap="none" lIns="0" tIns="0" rIns="0" bIns="0"/>
+          <a:lstStyle/>
           <a:p>
             <a:endParaRPr/>
           </a:p>
@@ -1138,11 +1299,14 @@
       </p:sp>
     </p:spTree>
   </p:cSld>
+  <p:clrMapOvr>
+    <a:masterClrMapping/>
+  </p:clrMapOvr>
 </p:sldLayout>
 </file>
 
 <file path=ppt/slideLayouts/slideLayout21.xml><?xml version="1.0" encoding="utf-8"?>
-<p:sldLayout xmlns:a="http://schemas.openxmlformats.org/drawingml/2006/main" xmlns:p="http://schemas.openxmlformats.org/presentationml/2006/main" xmlns:r="http://schemas.openxmlformats.org/officeDocument/2006/relationships" preserve="1" type="twoObjOverTx">
+<p:sldLayout xmlns:a="http://schemas.openxmlformats.org/drawingml/2006/main" xmlns:r="http://schemas.openxmlformats.org/officeDocument/2006/relationships" xmlns:p="http://schemas.openxmlformats.org/presentationml/2006/main" type="twoObjOverTx" preserve="1">
   <p:cSld name="Title, 2 Content over Content">
     <p:spTree>
       <p:nvGrpSpPr>
@@ -1178,7 +1342,8 @@
           </a:prstGeom>
         </p:spPr>
         <p:txBody>
-          <a:bodyPr anchor="ctr" bIns="0" lIns="0" rIns="0" tIns="0" wrap="none"/>
+          <a:bodyPr wrap="none" lIns="0" tIns="0" rIns="0" bIns="0" anchor="ctr"/>
+          <a:lstStyle/>
           <a:p>
             <a:endParaRPr/>
           </a:p>
@@ -1204,7 +1369,8 @@
           </a:prstGeom>
         </p:spPr>
         <p:txBody>
-          <a:bodyPr bIns="0" lIns="0" rIns="0" tIns="0" wrap="none"/>
+          <a:bodyPr wrap="none" lIns="0" tIns="0" rIns="0" bIns="0"/>
+          <a:lstStyle/>
           <a:p>
             <a:endParaRPr/>
           </a:p>
@@ -1230,7 +1396,8 @@
           </a:prstGeom>
         </p:spPr>
         <p:txBody>
-          <a:bodyPr bIns="0" lIns="0" rIns="0" tIns="0" wrap="none"/>
+          <a:bodyPr wrap="none" lIns="0" tIns="0" rIns="0" bIns="0"/>
+          <a:lstStyle/>
           <a:p>
             <a:endParaRPr/>
           </a:p>
@@ -1256,7 +1423,8 @@
           </a:prstGeom>
         </p:spPr>
         <p:txBody>
-          <a:bodyPr bIns="0" lIns="0" rIns="0" tIns="0" wrap="none"/>
+          <a:bodyPr wrap="none" lIns="0" tIns="0" rIns="0" bIns="0"/>
+          <a:lstStyle/>
           <a:p>
             <a:endParaRPr/>
           </a:p>
@@ -1264,11 +1432,14 @@
       </p:sp>
     </p:spTree>
   </p:cSld>
+  <p:clrMapOvr>
+    <a:masterClrMapping/>
+  </p:clrMapOvr>
 </p:sldLayout>
 </file>
 
 <file path=ppt/slideLayouts/slideLayout22.xml><?xml version="1.0" encoding="utf-8"?>
-<p:sldLayout xmlns:a="http://schemas.openxmlformats.org/drawingml/2006/main" xmlns:p="http://schemas.openxmlformats.org/presentationml/2006/main" xmlns:r="http://schemas.openxmlformats.org/officeDocument/2006/relationships" preserve="1" type="objOverTx">
+<p:sldLayout xmlns:a="http://schemas.openxmlformats.org/drawingml/2006/main" xmlns:r="http://schemas.openxmlformats.org/officeDocument/2006/relationships" xmlns:p="http://schemas.openxmlformats.org/presentationml/2006/main" type="objOverTx" preserve="1">
   <p:cSld name="Title, Content over Content">
     <p:spTree>
       <p:nvGrpSpPr>
@@ -1304,7 +1475,8 @@
           </a:prstGeom>
         </p:spPr>
         <p:txBody>
-          <a:bodyPr anchor="ctr" bIns="0" lIns="0" rIns="0" tIns="0" wrap="none"/>
+          <a:bodyPr wrap="none" lIns="0" tIns="0" rIns="0" bIns="0" anchor="ctr"/>
+          <a:lstStyle/>
           <a:p>
             <a:endParaRPr/>
           </a:p>
@@ -1330,7 +1502,8 @@
           </a:prstGeom>
         </p:spPr>
         <p:txBody>
-          <a:bodyPr bIns="0" lIns="0" rIns="0" tIns="0" wrap="none"/>
+          <a:bodyPr wrap="none" lIns="0" tIns="0" rIns="0" bIns="0"/>
+          <a:lstStyle/>
           <a:p>
             <a:endParaRPr/>
           </a:p>
@@ -1356,7 +1529,8 @@
           </a:prstGeom>
         </p:spPr>
         <p:txBody>
-          <a:bodyPr bIns="0" lIns="0" rIns="0" tIns="0" wrap="none"/>
+          <a:bodyPr wrap="none" lIns="0" tIns="0" rIns="0" bIns="0"/>
+          <a:lstStyle/>
           <a:p>
             <a:endParaRPr/>
           </a:p>
@@ -1364,11 +1538,14 @@
       </p:sp>
     </p:spTree>
   </p:cSld>
+  <p:clrMapOvr>
+    <a:masterClrMapping/>
+  </p:clrMapOvr>
 </p:sldLayout>
 </file>
 
 <file path=ppt/slideLayouts/slideLayout23.xml><?xml version="1.0" encoding="utf-8"?>
-<p:sldLayout xmlns:a="http://schemas.openxmlformats.org/drawingml/2006/main" xmlns:p="http://schemas.openxmlformats.org/presentationml/2006/main" xmlns:r="http://schemas.openxmlformats.org/officeDocument/2006/relationships" preserve="1" type="fourObj">
+<p:sldLayout xmlns:a="http://schemas.openxmlformats.org/drawingml/2006/main" xmlns:r="http://schemas.openxmlformats.org/officeDocument/2006/relationships" xmlns:p="http://schemas.openxmlformats.org/presentationml/2006/main" type="fourObj" preserve="1">
   <p:cSld name="Title, 4 Content">
     <p:spTree>
       <p:nvGrpSpPr>
@@ -1404,7 +1581,8 @@
           </a:prstGeom>
         </p:spPr>
         <p:txBody>
-          <a:bodyPr anchor="ctr" bIns="0" lIns="0" rIns="0" tIns="0" wrap="none"/>
+          <a:bodyPr wrap="none" lIns="0" tIns="0" rIns="0" bIns="0" anchor="ctr"/>
+          <a:lstStyle/>
           <a:p>
             <a:endParaRPr/>
           </a:p>
@@ -1430,7 +1608,8 @@
           </a:prstGeom>
         </p:spPr>
         <p:txBody>
-          <a:bodyPr bIns="0" lIns="0" rIns="0" tIns="0" wrap="none"/>
+          <a:bodyPr wrap="none" lIns="0" tIns="0" rIns="0" bIns="0"/>
+          <a:lstStyle/>
           <a:p>
             <a:endParaRPr/>
           </a:p>
@@ -1456,7 +1635,8 @@
           </a:prstGeom>
         </p:spPr>
         <p:txBody>
-          <a:bodyPr bIns="0" lIns="0" rIns="0" tIns="0" wrap="none"/>
+          <a:bodyPr wrap="none" lIns="0" tIns="0" rIns="0" bIns="0"/>
+          <a:lstStyle/>
           <a:p>
             <a:endParaRPr/>
           </a:p>
@@ -1482,7 +1662,8 @@
           </a:prstGeom>
         </p:spPr>
         <p:txBody>
-          <a:bodyPr bIns="0" lIns="0" rIns="0" tIns="0" wrap="none"/>
+          <a:bodyPr wrap="none" lIns="0" tIns="0" rIns="0" bIns="0"/>
+          <a:lstStyle/>
           <a:p>
             <a:endParaRPr/>
           </a:p>
@@ -1508,7 +1689,8 @@
           </a:prstGeom>
         </p:spPr>
         <p:txBody>
-          <a:bodyPr bIns="0" lIns="0" rIns="0" tIns="0" wrap="none"/>
+          <a:bodyPr wrap="none" lIns="0" tIns="0" rIns="0" bIns="0"/>
+          <a:lstStyle/>
           <a:p>
             <a:endParaRPr/>
           </a:p>
@@ -1516,11 +1698,14 @@
       </p:sp>
     </p:spTree>
   </p:cSld>
+  <p:clrMapOvr>
+    <a:masterClrMapping/>
+  </p:clrMapOvr>
 </p:sldLayout>
 </file>
 
 <file path=ppt/slideLayouts/slideLayout24.xml><?xml version="1.0" encoding="utf-8"?>
-<p:sldLayout xmlns:a="http://schemas.openxmlformats.org/drawingml/2006/main" xmlns:p="http://schemas.openxmlformats.org/presentationml/2006/main" xmlns:r="http://schemas.openxmlformats.org/officeDocument/2006/relationships" preserve="1" type="blank">
+<p:sldLayout xmlns:a="http://schemas.openxmlformats.org/drawingml/2006/main" xmlns:r="http://schemas.openxmlformats.org/officeDocument/2006/relationships" xmlns:p="http://schemas.openxmlformats.org/presentationml/2006/main" type="blank" preserve="1">
   <p:cSld name="Title, 6 Content">
     <p:spTree>
       <p:nvGrpSpPr>
@@ -1556,7 +1741,8 @@
           </a:prstGeom>
         </p:spPr>
         <p:txBody>
-          <a:bodyPr anchor="ctr" bIns="0" lIns="0" rIns="0" tIns="0" wrap="none"/>
+          <a:bodyPr wrap="none" lIns="0" tIns="0" rIns="0" bIns="0" anchor="ctr"/>
+          <a:lstStyle/>
           <a:p>
             <a:endParaRPr/>
           </a:p>
@@ -1582,7 +1768,8 @@
           </a:prstGeom>
         </p:spPr>
         <p:txBody>
-          <a:bodyPr bIns="0" lIns="0" rIns="0" tIns="0" wrap="none"/>
+          <a:bodyPr wrap="none" lIns="0" tIns="0" rIns="0" bIns="0"/>
+          <a:lstStyle/>
           <a:p>
             <a:endParaRPr/>
           </a:p>
@@ -1608,7 +1795,8 @@
           </a:prstGeom>
         </p:spPr>
         <p:txBody>
-          <a:bodyPr bIns="0" lIns="0" rIns="0" tIns="0" wrap="none"/>
+          <a:bodyPr wrap="none" lIns="0" tIns="0" rIns="0" bIns="0"/>
+          <a:lstStyle/>
           <a:p>
             <a:endParaRPr/>
           </a:p>
@@ -1616,7 +1804,7 @@
       </p:sp>
       <p:pic>
         <p:nvPicPr>
-          <p:cNvPr descr="" id="70" name=""/>
+          <p:cNvPr id="70" name="Imagem 69"/>
           <p:cNvPicPr/>
           <p:nvPr/>
         </p:nvPicPr>
@@ -1641,12 +1829,12 @@
       </p:pic>
       <p:pic>
         <p:nvPicPr>
-          <p:cNvPr descr="" id="71" name=""/>
+          <p:cNvPr id="71" name="Imagem 70"/>
           <p:cNvPicPr/>
           <p:nvPr/>
         </p:nvPicPr>
         <p:blipFill>
-          <a:blip r:embed="rId3"/>
+          <a:blip r:embed="rId2"/>
           <a:stretch>
             <a:fillRect/>
           </a:stretch>
@@ -1666,11 +1854,14 @@
       </p:pic>
     </p:spTree>
   </p:cSld>
+  <p:clrMapOvr>
+    <a:masterClrMapping/>
+  </p:clrMapOvr>
 </p:sldLayout>
 </file>
 
 <file path=ppt/slideLayouts/slideLayout3.xml><?xml version="1.0" encoding="utf-8"?>
-<p:sldLayout xmlns:a="http://schemas.openxmlformats.org/drawingml/2006/main" xmlns:p="http://schemas.openxmlformats.org/presentationml/2006/main" xmlns:r="http://schemas.openxmlformats.org/officeDocument/2006/relationships" preserve="1" type="obj">
+<p:sldLayout xmlns:a="http://schemas.openxmlformats.org/drawingml/2006/main" xmlns:r="http://schemas.openxmlformats.org/officeDocument/2006/relationships" xmlns:p="http://schemas.openxmlformats.org/presentationml/2006/main" type="obj" preserve="1">
   <p:cSld name="Title, Content">
     <p:spTree>
       <p:nvGrpSpPr>
@@ -1706,7 +1897,8 @@
           </a:prstGeom>
         </p:spPr>
         <p:txBody>
-          <a:bodyPr anchor="ctr" bIns="0" lIns="0" rIns="0" tIns="0" wrap="none"/>
+          <a:bodyPr wrap="none" lIns="0" tIns="0" rIns="0" bIns="0" anchor="ctr"/>
+          <a:lstStyle/>
           <a:p>
             <a:endParaRPr/>
           </a:p>
@@ -1732,7 +1924,8 @@
           </a:prstGeom>
         </p:spPr>
         <p:txBody>
-          <a:bodyPr bIns="0" lIns="0" rIns="0" tIns="0" wrap="none"/>
+          <a:bodyPr wrap="none" lIns="0" tIns="0" rIns="0" bIns="0"/>
+          <a:lstStyle/>
           <a:p>
             <a:endParaRPr/>
           </a:p>
@@ -1740,11 +1933,14 @@
       </p:sp>
     </p:spTree>
   </p:cSld>
+  <p:clrMapOvr>
+    <a:masterClrMapping/>
+  </p:clrMapOvr>
 </p:sldLayout>
 </file>
 
 <file path=ppt/slideLayouts/slideLayout4.xml><?xml version="1.0" encoding="utf-8"?>
-<p:sldLayout xmlns:a="http://schemas.openxmlformats.org/drawingml/2006/main" xmlns:p="http://schemas.openxmlformats.org/presentationml/2006/main" xmlns:r="http://schemas.openxmlformats.org/officeDocument/2006/relationships" preserve="1" type="twoObj">
+<p:sldLayout xmlns:a="http://schemas.openxmlformats.org/drawingml/2006/main" xmlns:r="http://schemas.openxmlformats.org/officeDocument/2006/relationships" xmlns:p="http://schemas.openxmlformats.org/presentationml/2006/main" type="twoObj" preserve="1">
   <p:cSld name="Title, 2 Content">
     <p:spTree>
       <p:nvGrpSpPr>
@@ -1780,7 +1976,8 @@
           </a:prstGeom>
         </p:spPr>
         <p:txBody>
-          <a:bodyPr anchor="ctr" bIns="0" lIns="0" rIns="0" tIns="0" wrap="none"/>
+          <a:bodyPr wrap="none" lIns="0" tIns="0" rIns="0" bIns="0" anchor="ctr"/>
+          <a:lstStyle/>
           <a:p>
             <a:endParaRPr/>
           </a:p>
@@ -1806,7 +2003,8 @@
           </a:prstGeom>
         </p:spPr>
         <p:txBody>
-          <a:bodyPr bIns="0" lIns="0" rIns="0" tIns="0" wrap="none"/>
+          <a:bodyPr wrap="none" lIns="0" tIns="0" rIns="0" bIns="0"/>
+          <a:lstStyle/>
           <a:p>
             <a:endParaRPr/>
           </a:p>
@@ -1832,7 +2030,8 @@
           </a:prstGeom>
         </p:spPr>
         <p:txBody>
-          <a:bodyPr bIns="0" lIns="0" rIns="0" tIns="0" wrap="none"/>
+          <a:bodyPr wrap="none" lIns="0" tIns="0" rIns="0" bIns="0"/>
+          <a:lstStyle/>
           <a:p>
             <a:endParaRPr/>
           </a:p>
@@ -1840,11 +2039,14 @@
       </p:sp>
     </p:spTree>
   </p:cSld>
+  <p:clrMapOvr>
+    <a:masterClrMapping/>
+  </p:clrMapOvr>
 </p:sldLayout>
 </file>
 
 <file path=ppt/slideLayouts/slideLayout5.xml><?xml version="1.0" encoding="utf-8"?>
-<p:sldLayout xmlns:a="http://schemas.openxmlformats.org/drawingml/2006/main" xmlns:p="http://schemas.openxmlformats.org/presentationml/2006/main" xmlns:r="http://schemas.openxmlformats.org/officeDocument/2006/relationships" preserve="1" type="titleOnly">
+<p:sldLayout xmlns:a="http://schemas.openxmlformats.org/drawingml/2006/main" xmlns:r="http://schemas.openxmlformats.org/officeDocument/2006/relationships" xmlns:p="http://schemas.openxmlformats.org/presentationml/2006/main" type="titleOnly" preserve="1">
   <p:cSld name="Title Only">
     <p:spTree>
       <p:nvGrpSpPr>
@@ -1880,7 +2082,8 @@
           </a:prstGeom>
         </p:spPr>
         <p:txBody>
-          <a:bodyPr anchor="ctr" bIns="0" lIns="0" rIns="0" tIns="0" wrap="none"/>
+          <a:bodyPr wrap="none" lIns="0" tIns="0" rIns="0" bIns="0" anchor="ctr"/>
+          <a:lstStyle/>
           <a:p>
             <a:endParaRPr/>
           </a:p>
@@ -1888,11 +2091,14 @@
       </p:sp>
     </p:spTree>
   </p:cSld>
+  <p:clrMapOvr>
+    <a:masterClrMapping/>
+  </p:clrMapOvr>
 </p:sldLayout>
 </file>
 
 <file path=ppt/slideLayouts/slideLayout6.xml><?xml version="1.0" encoding="utf-8"?>
-<p:sldLayout xmlns:a="http://schemas.openxmlformats.org/drawingml/2006/main" xmlns:p="http://schemas.openxmlformats.org/presentationml/2006/main" xmlns:r="http://schemas.openxmlformats.org/officeDocument/2006/relationships" preserve="1" type="objOnly">
+<p:sldLayout xmlns:a="http://schemas.openxmlformats.org/drawingml/2006/main" xmlns:r="http://schemas.openxmlformats.org/officeDocument/2006/relationships" xmlns:p="http://schemas.openxmlformats.org/presentationml/2006/main" type="objOnly" preserve="1">
   <p:cSld name="Centered Text">
     <p:spTree>
       <p:nvGrpSpPr>
@@ -1928,7 +2134,8 @@
           </a:prstGeom>
         </p:spPr>
         <p:txBody>
-          <a:bodyPr anchor="ctr" bIns="0" lIns="0" rIns="0" tIns="0" wrap="none"/>
+          <a:bodyPr wrap="none" lIns="0" tIns="0" rIns="0" bIns="0" anchor="ctr"/>
+          <a:lstStyle/>
           <a:p>
             <a:pPr algn="ctr"/>
             <a:endParaRPr/>
@@ -1937,11 +2144,14 @@
       </p:sp>
     </p:spTree>
   </p:cSld>
+  <p:clrMapOvr>
+    <a:masterClrMapping/>
+  </p:clrMapOvr>
 </p:sldLayout>
 </file>
 
 <file path=ppt/slideLayouts/slideLayout7.xml><?xml version="1.0" encoding="utf-8"?>
-<p:sldLayout xmlns:a="http://schemas.openxmlformats.org/drawingml/2006/main" xmlns:p="http://schemas.openxmlformats.org/presentationml/2006/main" xmlns:r="http://schemas.openxmlformats.org/officeDocument/2006/relationships" preserve="1" type="twoObjAndObj">
+<p:sldLayout xmlns:a="http://schemas.openxmlformats.org/drawingml/2006/main" xmlns:r="http://schemas.openxmlformats.org/officeDocument/2006/relationships" xmlns:p="http://schemas.openxmlformats.org/presentationml/2006/main" type="twoObjAndObj" preserve="1">
   <p:cSld name="Title, 2 Content and Content">
     <p:spTree>
       <p:nvGrpSpPr>
@@ -1977,7 +2187,8 @@
           </a:prstGeom>
         </p:spPr>
         <p:txBody>
-          <a:bodyPr anchor="ctr" bIns="0" lIns="0" rIns="0" tIns="0" wrap="none"/>
+          <a:bodyPr wrap="none" lIns="0" tIns="0" rIns="0" bIns="0" anchor="ctr"/>
+          <a:lstStyle/>
           <a:p>
             <a:endParaRPr/>
           </a:p>
@@ -2003,7 +2214,8 @@
           </a:prstGeom>
         </p:spPr>
         <p:txBody>
-          <a:bodyPr bIns="0" lIns="0" rIns="0" tIns="0" wrap="none"/>
+          <a:bodyPr wrap="none" lIns="0" tIns="0" rIns="0" bIns="0"/>
+          <a:lstStyle/>
           <a:p>
             <a:endParaRPr/>
           </a:p>
@@ -2029,7 +2241,8 @@
           </a:prstGeom>
         </p:spPr>
         <p:txBody>
-          <a:bodyPr bIns="0" lIns="0" rIns="0" tIns="0" wrap="none"/>
+          <a:bodyPr wrap="none" lIns="0" tIns="0" rIns="0" bIns="0"/>
+          <a:lstStyle/>
           <a:p>
             <a:endParaRPr/>
           </a:p>
@@ -2055,7 +2268,8 @@
           </a:prstGeom>
         </p:spPr>
         <p:txBody>
-          <a:bodyPr bIns="0" lIns="0" rIns="0" tIns="0" wrap="none"/>
+          <a:bodyPr wrap="none" lIns="0" tIns="0" rIns="0" bIns="0"/>
+          <a:lstStyle/>
           <a:p>
             <a:endParaRPr/>
           </a:p>
@@ -2063,11 +2277,14 @@
       </p:sp>
     </p:spTree>
   </p:cSld>
+  <p:clrMapOvr>
+    <a:masterClrMapping/>
+  </p:clrMapOvr>
 </p:sldLayout>
 </file>
 
 <file path=ppt/slideLayouts/slideLayout8.xml><?xml version="1.0" encoding="utf-8"?>
-<p:sldLayout xmlns:a="http://schemas.openxmlformats.org/drawingml/2006/main" xmlns:p="http://schemas.openxmlformats.org/presentationml/2006/main" xmlns:r="http://schemas.openxmlformats.org/officeDocument/2006/relationships" preserve="1" type="objAndTwoObj">
+<p:sldLayout xmlns:a="http://schemas.openxmlformats.org/drawingml/2006/main" xmlns:r="http://schemas.openxmlformats.org/officeDocument/2006/relationships" xmlns:p="http://schemas.openxmlformats.org/presentationml/2006/main" type="objAndTwoObj" preserve="1">
   <p:cSld name="Title Content and 2 Content">
     <p:spTree>
       <p:nvGrpSpPr>
@@ -2103,7 +2320,8 @@
           </a:prstGeom>
         </p:spPr>
         <p:txBody>
-          <a:bodyPr anchor="ctr" bIns="0" lIns="0" rIns="0" tIns="0" wrap="none"/>
+          <a:bodyPr wrap="none" lIns="0" tIns="0" rIns="0" bIns="0" anchor="ctr"/>
+          <a:lstStyle/>
           <a:p>
             <a:endParaRPr/>
           </a:p>
@@ -2129,7 +2347,8 @@
           </a:prstGeom>
         </p:spPr>
         <p:txBody>
-          <a:bodyPr bIns="0" lIns="0" rIns="0" tIns="0" wrap="none"/>
+          <a:bodyPr wrap="none" lIns="0" tIns="0" rIns="0" bIns="0"/>
+          <a:lstStyle/>
           <a:p>
             <a:endParaRPr/>
           </a:p>
@@ -2155,7 +2374,8 @@
           </a:prstGeom>
         </p:spPr>
         <p:txBody>
-          <a:bodyPr bIns="0" lIns="0" rIns="0" tIns="0" wrap="none"/>
+          <a:bodyPr wrap="none" lIns="0" tIns="0" rIns="0" bIns="0"/>
+          <a:lstStyle/>
           <a:p>
             <a:endParaRPr/>
           </a:p>
@@ -2181,7 +2401,8 @@
           </a:prstGeom>
         </p:spPr>
         <p:txBody>
-          <a:bodyPr bIns="0" lIns="0" rIns="0" tIns="0" wrap="none"/>
+          <a:bodyPr wrap="none" lIns="0" tIns="0" rIns="0" bIns="0"/>
+          <a:lstStyle/>
           <a:p>
             <a:endParaRPr/>
           </a:p>
@@ -2189,11 +2410,14 @@
       </p:sp>
     </p:spTree>
   </p:cSld>
+  <p:clrMapOvr>
+    <a:masterClrMapping/>
+  </p:clrMapOvr>
 </p:sldLayout>
 </file>
 
 <file path=ppt/slideLayouts/slideLayout9.xml><?xml version="1.0" encoding="utf-8"?>
-<p:sldLayout xmlns:a="http://schemas.openxmlformats.org/drawingml/2006/main" xmlns:p="http://schemas.openxmlformats.org/presentationml/2006/main" xmlns:r="http://schemas.openxmlformats.org/officeDocument/2006/relationships" preserve="1" type="twoObjOverTx">
+<p:sldLayout xmlns:a="http://schemas.openxmlformats.org/drawingml/2006/main" xmlns:r="http://schemas.openxmlformats.org/officeDocument/2006/relationships" xmlns:p="http://schemas.openxmlformats.org/presentationml/2006/main" type="twoObjOverTx" preserve="1">
   <p:cSld name="Title, 2 Content over Content">
     <p:spTree>
       <p:nvGrpSpPr>
@@ -2229,7 +2453,8 @@
           </a:prstGeom>
         </p:spPr>
         <p:txBody>
-          <a:bodyPr anchor="ctr" bIns="0" lIns="0" rIns="0" tIns="0" wrap="none"/>
+          <a:bodyPr wrap="none" lIns="0" tIns="0" rIns="0" bIns="0" anchor="ctr"/>
+          <a:lstStyle/>
           <a:p>
             <a:endParaRPr/>
           </a:p>
@@ -2255,7 +2480,8 @@
           </a:prstGeom>
         </p:spPr>
         <p:txBody>
-          <a:bodyPr bIns="0" lIns="0" rIns="0" tIns="0" wrap="none"/>
+          <a:bodyPr wrap="none" lIns="0" tIns="0" rIns="0" bIns="0"/>
+          <a:lstStyle/>
           <a:p>
             <a:endParaRPr/>
           </a:p>
@@ -2281,7 +2507,8 @@
           </a:prstGeom>
         </p:spPr>
         <p:txBody>
-          <a:bodyPr bIns="0" lIns="0" rIns="0" tIns="0" wrap="none"/>
+          <a:bodyPr wrap="none" lIns="0" tIns="0" rIns="0" bIns="0"/>
+          <a:lstStyle/>
           <a:p>
             <a:endParaRPr/>
           </a:p>
@@ -2307,7 +2534,8 @@
           </a:prstGeom>
         </p:spPr>
         <p:txBody>
-          <a:bodyPr bIns="0" lIns="0" rIns="0" tIns="0" wrap="none"/>
+          <a:bodyPr wrap="none" lIns="0" tIns="0" rIns="0" bIns="0"/>
+          <a:lstStyle/>
           <a:p>
             <a:endParaRPr/>
           </a:p>
@@ -2315,17 +2543,21 @@
       </p:sp>
     </p:spTree>
   </p:cSld>
+  <p:clrMapOvr>
+    <a:masterClrMapping/>
+  </p:clrMapOvr>
 </p:sldLayout>
 </file>
 
 <file path=ppt/slideMasters/slideMaster1.xml><?xml version="1.0" encoding="utf-8"?>
-<p:sldMaster xmlns:a="http://schemas.openxmlformats.org/drawingml/2006/main" xmlns:p="http://schemas.openxmlformats.org/presentationml/2006/main" xmlns:r="http://schemas.openxmlformats.org/officeDocument/2006/relationships">
+<p:sldMaster xmlns:a="http://schemas.openxmlformats.org/drawingml/2006/main" xmlns:r="http://schemas.openxmlformats.org/officeDocument/2006/relationships" xmlns:p="http://schemas.openxmlformats.org/presentationml/2006/main">
   <p:cSld>
     <p:bg>
       <p:bgPr>
         <a:solidFill>
-          <a:srgbClr val="ffffff"/>
+          <a:srgbClr val="FFFFFF"/>
         </a:solidFill>
+        <a:effectLst/>
       </p:bgPr>
     </p:bg>
     <p:spTree>
@@ -2344,7 +2576,7 @@
       </p:grpSpPr>
       <p:sp>
         <p:nvSpPr>
-          <p:cNvPr id="0" name="PlaceHolder 1"/>
+          <p:cNvPr id="2" name="PlaceHolder 1"/>
           <p:cNvSpPr>
             <a:spLocks noGrp="1"/>
           </p:cNvSpPr>
@@ -2362,7 +2594,8 @@
           </a:prstGeom>
         </p:spPr>
         <p:txBody>
-          <a:bodyPr anchor="ctr" bIns="0" lIns="0" rIns="0" tIns="0"/>
+          <a:bodyPr lIns="0" tIns="0" rIns="0" bIns="0" anchor="ctr"/>
+          <a:lstStyle/>
           <a:p>
             <a:r>
               <a:rPr lang="pt-BR"/>
@@ -2374,7 +2607,7 @@
       </p:sp>
       <p:sp>
         <p:nvSpPr>
-          <p:cNvPr id="1" name="PlaceHolder 2"/>
+          <p:cNvPr id="3" name="PlaceHolder 2"/>
           <p:cNvSpPr>
             <a:spLocks noGrp="1"/>
           </p:cNvSpPr>
@@ -2392,7 +2625,8 @@
           </a:prstGeom>
         </p:spPr>
         <p:txBody>
-          <a:bodyPr bIns="0" lIns="0" rIns="0" tIns="0" wrap="none"/>
+          <a:bodyPr wrap="none" lIns="0" tIns="0" rIns="0" bIns="0"/>
+          <a:lstStyle/>
           <a:p>
             <a:pPr>
               <a:buSzPct val="25000"/>
@@ -2481,32 +2715,38 @@
       </p:sp>
     </p:spTree>
   </p:cSld>
-  <p:clrMap accent1="accent1" accent2="accent2" accent3="accent3" accent4="accent4" accent5="accent5" accent6="accent6" bg1="lt1" bg2="lt2" folHlink="folHlink" hlink="hlink" tx1="dk1" tx2="dk2"/>
+  <p:clrMap bg1="lt1" tx1="dk1" bg2="lt2" tx2="dk2" accent1="accent1" accent2="accent2" accent3="accent3" accent4="accent4" accent5="accent5" accent6="accent6" hlink="hlink" folHlink="folHlink"/>
   <p:sldLayoutIdLst>
-    <p:sldLayoutId id="2147483649" r:id="rId2"/>
-    <p:sldLayoutId id="2147483650" r:id="rId3"/>
-    <p:sldLayoutId id="2147483651" r:id="rId4"/>
-    <p:sldLayoutId id="2147483652" r:id="rId5"/>
-    <p:sldLayoutId id="2147483653" r:id="rId6"/>
-    <p:sldLayoutId id="2147483654" r:id="rId7"/>
-    <p:sldLayoutId id="2147483655" r:id="rId8"/>
-    <p:sldLayoutId id="2147483656" r:id="rId9"/>
-    <p:sldLayoutId id="2147483657" r:id="rId10"/>
-    <p:sldLayoutId id="2147483658" r:id="rId11"/>
-    <p:sldLayoutId id="2147483659" r:id="rId12"/>
-    <p:sldLayoutId id="2147483660" r:id="rId13"/>
+    <p:sldLayoutId id="2147483649" r:id="rId1"/>
+    <p:sldLayoutId id="2147483650" r:id="rId2"/>
+    <p:sldLayoutId id="2147483651" r:id="rId3"/>
+    <p:sldLayoutId id="2147483652" r:id="rId4"/>
+    <p:sldLayoutId id="2147483653" r:id="rId5"/>
+    <p:sldLayoutId id="2147483654" r:id="rId6"/>
+    <p:sldLayoutId id="2147483655" r:id="rId7"/>
+    <p:sldLayoutId id="2147483656" r:id="rId8"/>
+    <p:sldLayoutId id="2147483657" r:id="rId9"/>
+    <p:sldLayoutId id="2147483658" r:id="rId10"/>
+    <p:sldLayoutId id="2147483659" r:id="rId11"/>
+    <p:sldLayoutId id="2147483660" r:id="rId12"/>
   </p:sldLayoutIdLst>
+  <p:txStyles>
+    <p:titleStyle/>
+    <p:bodyStyle/>
+    <p:otherStyle/>
+  </p:txStyles>
 </p:sldMaster>
 </file>
 
 <file path=ppt/slideMasters/slideMaster2.xml><?xml version="1.0" encoding="utf-8"?>
-<p:sldMaster xmlns:a="http://schemas.openxmlformats.org/drawingml/2006/main" xmlns:p="http://schemas.openxmlformats.org/presentationml/2006/main" xmlns:r="http://schemas.openxmlformats.org/officeDocument/2006/relationships">
+<p:sldMaster xmlns:a="http://schemas.openxmlformats.org/drawingml/2006/main" xmlns:r="http://schemas.openxmlformats.org/officeDocument/2006/relationships" xmlns:p="http://schemas.openxmlformats.org/presentationml/2006/main">
   <p:cSld>
     <p:bg>
       <p:bgPr>
         <a:solidFill>
-          <a:srgbClr val="ffffff"/>
+          <a:srgbClr val="FFFFFF"/>
         </a:solidFill>
+        <a:effectLst/>
       </p:bgPr>
     </p:bg>
     <p:spTree>
@@ -2543,7 +2783,8 @@
           </a:prstGeom>
         </p:spPr>
         <p:txBody>
-          <a:bodyPr anchor="ctr" bIns="0" lIns="0" rIns="0" tIns="0" wrap="none"/>
+          <a:bodyPr wrap="none" lIns="0" tIns="0" rIns="0" bIns="0" anchor="ctr"/>
+          <a:lstStyle/>
           <a:p>
             <a:r>
               <a:rPr lang="pt-BR"/>
@@ -2573,7 +2814,8 @@
           </a:prstGeom>
         </p:spPr>
         <p:txBody>
-          <a:bodyPr bIns="0" lIns="0" rIns="0" tIns="0" wrap="none"/>
+          <a:bodyPr wrap="none" lIns="0" tIns="0" rIns="0" bIns="0"/>
+          <a:lstStyle/>
           <a:p>
             <a:pPr>
               <a:buSzPct val="25000"/>
@@ -2662,26 +2904,31 @@
       </p:sp>
     </p:spTree>
   </p:cSld>
-  <p:clrMap accent1="accent1" accent2="accent2" accent3="accent3" accent4="accent4" accent5="accent5" accent6="accent6" bg1="lt1" bg2="lt2" folHlink="folHlink" hlink="hlink" tx1="dk1" tx2="dk2"/>
+  <p:clrMap bg1="lt1" tx1="dk1" bg2="lt2" tx2="dk2" accent1="accent1" accent2="accent2" accent3="accent3" accent4="accent4" accent5="accent5" accent6="accent6" hlink="hlink" folHlink="folHlink"/>
   <p:sldLayoutIdLst>
-    <p:sldLayoutId id="2147483662" r:id="rId2"/>
-    <p:sldLayoutId id="2147483663" r:id="rId3"/>
-    <p:sldLayoutId id="2147483664" r:id="rId4"/>
-    <p:sldLayoutId id="2147483665" r:id="rId5"/>
-    <p:sldLayoutId id="2147483666" r:id="rId6"/>
-    <p:sldLayoutId id="2147483667" r:id="rId7"/>
-    <p:sldLayoutId id="2147483668" r:id="rId8"/>
-    <p:sldLayoutId id="2147483669" r:id="rId9"/>
-    <p:sldLayoutId id="2147483670" r:id="rId10"/>
-    <p:sldLayoutId id="2147483671" r:id="rId11"/>
-    <p:sldLayoutId id="2147483672" r:id="rId12"/>
-    <p:sldLayoutId id="2147483673" r:id="rId13"/>
+    <p:sldLayoutId id="2147483662" r:id="rId1"/>
+    <p:sldLayoutId id="2147483663" r:id="rId2"/>
+    <p:sldLayoutId id="2147483664" r:id="rId3"/>
+    <p:sldLayoutId id="2147483665" r:id="rId4"/>
+    <p:sldLayoutId id="2147483666" r:id="rId5"/>
+    <p:sldLayoutId id="2147483667" r:id="rId6"/>
+    <p:sldLayoutId id="2147483668" r:id="rId7"/>
+    <p:sldLayoutId id="2147483669" r:id="rId8"/>
+    <p:sldLayoutId id="2147483670" r:id="rId9"/>
+    <p:sldLayoutId id="2147483671" r:id="rId10"/>
+    <p:sldLayoutId id="2147483672" r:id="rId11"/>
+    <p:sldLayoutId id="2147483673" r:id="rId12"/>
   </p:sldLayoutIdLst>
+  <p:txStyles>
+    <p:titleStyle/>
+    <p:bodyStyle/>
+    <p:otherStyle/>
+  </p:txStyles>
 </p:sldMaster>
 </file>
 
 <file path=ppt/slides/slide1.xml><?xml version="1.0" encoding="utf-8"?>
-<p:sld xmlns:a="http://schemas.openxmlformats.org/drawingml/2006/main" xmlns:p="http://schemas.openxmlformats.org/presentationml/2006/main" xmlns:r="http://schemas.openxmlformats.org/officeDocument/2006/relationships">
+<p:sld xmlns:a="http://schemas.openxmlformats.org/drawingml/2006/main" xmlns:r="http://schemas.openxmlformats.org/officeDocument/2006/relationships" xmlns:p="http://schemas.openxmlformats.org/presentationml/2006/main">
   <p:cSld>
     <p:spTree>
       <p:nvGrpSpPr>
@@ -2699,19 +2946,19 @@
       </p:grpSpPr>
       <p:pic>
         <p:nvPicPr>
-          <p:cNvPr descr="" id="72" name="Picture 2"/>
+          <p:cNvPr id="72" name="Picture 2"/>
           <p:cNvPicPr/>
           <p:nvPr/>
         </p:nvPicPr>
         <p:blipFill>
-          <a:blip r:embed="rId1"/>
+          <a:blip r:embed="rId2"/>
           <a:stretch>
             <a:fillRect/>
           </a:stretch>
         </p:blipFill>
         <p:spPr>
           <a:xfrm>
-            <a:off x="2843640" y="188640"/>
+            <a:off x="2969640" y="2813400"/>
             <a:ext cx="3204360" cy="1223280"/>
           </a:xfrm>
           <a:prstGeom prst="rect">
@@ -2744,22 +2991,25 @@
       </p:sp>
     </p:spTree>
   </p:cSld>
+  <p:clrMapOvr>
+    <a:masterClrMapping/>
+  </p:clrMapOvr>
   <p:timing>
     <p:tnLst>
       <p:par>
-        <p:cTn dur="indefinite" id="1" nodeType="tmRoot" restart="never">
+        <p:cTn id="1" dur="indefinite" restart="never" nodeType="tmRoot">
           <p:childTnLst>
             <p:seq>
               <p:cTn id="2" nodeType="mainSeq"/>
               <p:prevCondLst>
-                <p:cond delay="0" evt="onPrev">
+                <p:cond evt="onPrev" delay="0">
                   <p:tgtEl>
                     <p:sldTgt/>
                   </p:tgtEl>
                 </p:cond>
               </p:prevCondLst>
               <p:nextCondLst>
-                <p:cond delay="0" evt="onNext">
+                <p:cond evt="onNext" delay="0">
                   <p:tgtEl>
                     <p:sldTgt/>
                   </p:tgtEl>
@@ -2775,7 +3025,7 @@
 </file>
 
 <file path=ppt/slides/slide10.xml><?xml version="1.0" encoding="utf-8"?>
-<p:sld xmlns:a="http://schemas.openxmlformats.org/drawingml/2006/main" xmlns:p="http://schemas.openxmlformats.org/presentationml/2006/main" xmlns:r="http://schemas.openxmlformats.org/officeDocument/2006/relationships">
+<p:sld xmlns:a="http://schemas.openxmlformats.org/drawingml/2006/main" xmlns:r="http://schemas.openxmlformats.org/officeDocument/2006/relationships" xmlns:p="http://schemas.openxmlformats.org/presentationml/2006/main">
   <p:cSld>
     <p:spTree>
       <p:nvGrpSpPr>
@@ -2793,12 +3043,12 @@
       </p:grpSpPr>
       <p:pic>
         <p:nvPicPr>
-          <p:cNvPr descr="" id="97" name="Picture 2"/>
+          <p:cNvPr id="97" name="Picture 2"/>
           <p:cNvPicPr/>
           <p:nvPr/>
         </p:nvPicPr>
         <p:blipFill>
-          <a:blip r:embed="rId1"/>
+          <a:blip r:embed="rId2"/>
           <a:stretch>
             <a:fillRect/>
           </a:stretch>
@@ -2836,7 +3086,8 @@
           </a:ln>
         </p:spPr>
         <p:txBody>
-          <a:bodyPr anchor="ctr" bIns="45000" lIns="90000" rIns="90000" tIns="45000"/>
+          <a:bodyPr lIns="90000" tIns="45000" rIns="90000" bIns="45000" anchor="ctr"/>
+          <a:lstStyle/>
           <a:p>
             <a:r>
               <a:rPr lang="pt-BR" sz="2800">
@@ -2862,12 +3113,12 @@
       </p:sp>
       <p:pic>
         <p:nvPicPr>
-          <p:cNvPr descr="" id="99" name="Picture 3"/>
+          <p:cNvPr id="99" name="Picture 3"/>
           <p:cNvPicPr/>
           <p:nvPr/>
         </p:nvPicPr>
         <p:blipFill>
-          <a:blip r:embed="rId2"/>
+          <a:blip r:embed="rId3"/>
           <a:stretch>
             <a:fillRect/>
           </a:stretch>
@@ -2905,7 +3156,8 @@
           </a:ln>
         </p:spPr>
         <p:txBody>
-          <a:bodyPr anchor="ctr" bIns="45000" lIns="90000" rIns="90000" tIns="45000"/>
+          <a:bodyPr lIns="90000" tIns="45000" rIns="90000" bIns="45000" anchor="ctr"/>
+          <a:lstStyle/>
           <a:p>
             <a:pPr algn="ctr">
               <a:lnSpc>
@@ -3008,22 +3260,25 @@
       </p:sp>
     </p:spTree>
   </p:cSld>
+  <p:clrMapOvr>
+    <a:masterClrMapping/>
+  </p:clrMapOvr>
   <p:timing>
     <p:tnLst>
       <p:par>
-        <p:cTn dur="indefinite" id="19" nodeType="tmRoot" restart="never">
+        <p:cTn id="1" dur="indefinite" restart="never" nodeType="tmRoot">
           <p:childTnLst>
             <p:seq>
-              <p:cTn id="20" nodeType="mainSeq"/>
+              <p:cTn id="2" nodeType="mainSeq"/>
               <p:prevCondLst>
-                <p:cond delay="0" evt="onPrev">
+                <p:cond evt="onPrev" delay="0">
                   <p:tgtEl>
                     <p:sldTgt/>
                   </p:tgtEl>
                 </p:cond>
               </p:prevCondLst>
               <p:nextCondLst>
-                <p:cond delay="0" evt="onNext">
+                <p:cond evt="onNext" delay="0">
                   <p:tgtEl>
                     <p:sldTgt/>
                   </p:tgtEl>
@@ -3039,7 +3294,7 @@
 </file>
 
 <file path=ppt/slides/slide2.xml><?xml version="1.0" encoding="utf-8"?>
-<p:sld xmlns:a="http://schemas.openxmlformats.org/drawingml/2006/main" xmlns:p="http://schemas.openxmlformats.org/presentationml/2006/main" xmlns:r="http://schemas.openxmlformats.org/officeDocument/2006/relationships">
+<p:sld xmlns:a="http://schemas.openxmlformats.org/drawingml/2006/main" xmlns:r="http://schemas.openxmlformats.org/officeDocument/2006/relationships" xmlns:p="http://schemas.openxmlformats.org/presentationml/2006/main">
   <p:cSld>
     <p:spTree>
       <p:nvGrpSpPr>
@@ -3057,12 +3312,12 @@
       </p:grpSpPr>
       <p:pic>
         <p:nvPicPr>
-          <p:cNvPr descr="" id="74" name="Picture 2"/>
+          <p:cNvPr id="74" name="Picture 2"/>
           <p:cNvPicPr/>
           <p:nvPr/>
         </p:nvPicPr>
         <p:blipFill>
-          <a:blip r:embed="rId1"/>
+          <a:blip r:embed="rId2"/>
           <a:stretch>
             <a:fillRect/>
           </a:stretch>
@@ -3100,7 +3355,8 @@
           </a:ln>
         </p:spPr>
         <p:txBody>
-          <a:bodyPr bIns="45000" lIns="90000" rIns="90000" tIns="45000"/>
+          <a:bodyPr lIns="90000" tIns="45000" rIns="90000" bIns="45000"/>
+          <a:lstStyle/>
           <a:p>
             <a:pPr algn="ctr">
               <a:lnSpc>
@@ -3123,22 +3379,25 @@
       </p:sp>
     </p:spTree>
   </p:cSld>
+  <p:clrMapOvr>
+    <a:masterClrMapping/>
+  </p:clrMapOvr>
   <p:timing>
     <p:tnLst>
       <p:par>
-        <p:cTn dur="indefinite" id="3" nodeType="tmRoot" restart="never">
+        <p:cTn id="1" dur="indefinite" restart="never" nodeType="tmRoot">
           <p:childTnLst>
             <p:seq>
-              <p:cTn id="4" nodeType="mainSeq"/>
+              <p:cTn id="2" nodeType="mainSeq"/>
               <p:prevCondLst>
-                <p:cond delay="0" evt="onPrev">
+                <p:cond evt="onPrev" delay="0">
                   <p:tgtEl>
                     <p:sldTgt/>
                   </p:tgtEl>
                 </p:cond>
               </p:prevCondLst>
               <p:nextCondLst>
-                <p:cond delay="0" evt="onNext">
+                <p:cond evt="onNext" delay="0">
                   <p:tgtEl>
                     <p:sldTgt/>
                   </p:tgtEl>
@@ -3154,7 +3413,7 @@
 </file>
 
 <file path=ppt/slides/slide3.xml><?xml version="1.0" encoding="utf-8"?>
-<p:sld xmlns:a="http://schemas.openxmlformats.org/drawingml/2006/main" xmlns:p="http://schemas.openxmlformats.org/presentationml/2006/main" xmlns:r="http://schemas.openxmlformats.org/officeDocument/2006/relationships">
+<p:sld xmlns:a="http://schemas.openxmlformats.org/drawingml/2006/main" xmlns:r="http://schemas.openxmlformats.org/officeDocument/2006/relationships" xmlns:p="http://schemas.openxmlformats.org/presentationml/2006/main">
   <p:cSld>
     <p:spTree>
       <p:nvGrpSpPr>
@@ -3190,7 +3449,8 @@
           </a:ln>
         </p:spPr>
         <p:txBody>
-          <a:bodyPr anchor="ctr" bIns="45000" lIns="90000" rIns="90000" tIns="45000"/>
+          <a:bodyPr lIns="90000" tIns="45000" rIns="90000" bIns="45000" anchor="ctr"/>
+          <a:lstStyle/>
           <a:p>
             <a:pPr algn="ctr">
               <a:lnSpc>
@@ -3213,12 +3473,12 @@
       </p:sp>
       <p:pic>
         <p:nvPicPr>
-          <p:cNvPr descr="" id="77" name="Picture 2"/>
+          <p:cNvPr id="77" name="Picture 2"/>
           <p:cNvPicPr/>
           <p:nvPr/>
         </p:nvPicPr>
         <p:blipFill>
-          <a:blip r:embed="rId1"/>
+          <a:blip r:embed="rId2"/>
           <a:stretch>
             <a:fillRect/>
           </a:stretch>
@@ -3256,7 +3516,8 @@
           </a:ln>
         </p:spPr>
         <p:txBody>
-          <a:bodyPr bIns="45000" lIns="90000" rIns="90000" tIns="45000"/>
+          <a:bodyPr lIns="90000" tIns="45000" rIns="90000" bIns="45000"/>
+          <a:lstStyle/>
           <a:p>
             <a:pPr algn="ctr">
               <a:lnSpc>
@@ -3287,22 +3548,25 @@
       </p:sp>
     </p:spTree>
   </p:cSld>
+  <p:clrMapOvr>
+    <a:masterClrMapping/>
+  </p:clrMapOvr>
   <p:timing>
     <p:tnLst>
       <p:par>
-        <p:cTn dur="indefinite" id="5" nodeType="tmRoot" restart="never">
+        <p:cTn id="1" dur="indefinite" restart="never" nodeType="tmRoot">
           <p:childTnLst>
             <p:seq>
-              <p:cTn id="6" nodeType="mainSeq"/>
+              <p:cTn id="2" nodeType="mainSeq"/>
               <p:prevCondLst>
-                <p:cond delay="0" evt="onPrev">
+                <p:cond evt="onPrev" delay="0">
                   <p:tgtEl>
                     <p:sldTgt/>
                   </p:tgtEl>
                 </p:cond>
               </p:prevCondLst>
               <p:nextCondLst>
-                <p:cond delay="0" evt="onNext">
+                <p:cond evt="onNext" delay="0">
                   <p:tgtEl>
                     <p:sldTgt/>
                   </p:tgtEl>
@@ -3318,7 +3582,7 @@
 </file>
 
 <file path=ppt/slides/slide4.xml><?xml version="1.0" encoding="utf-8"?>
-<p:sld xmlns:a="http://schemas.openxmlformats.org/drawingml/2006/main" xmlns:p="http://schemas.openxmlformats.org/presentationml/2006/main" xmlns:r="http://schemas.openxmlformats.org/officeDocument/2006/relationships">
+<p:sld xmlns:a="http://schemas.openxmlformats.org/drawingml/2006/main" xmlns:r="http://schemas.openxmlformats.org/officeDocument/2006/relationships" xmlns:p="http://schemas.openxmlformats.org/presentationml/2006/main">
   <p:cSld>
     <p:spTree>
       <p:nvGrpSpPr>
@@ -3354,7 +3618,8 @@
           </a:ln>
         </p:spPr>
         <p:txBody>
-          <a:bodyPr bIns="45000" lIns="90000" rIns="90000" tIns="45000"/>
+          <a:bodyPr lIns="90000" tIns="45000" rIns="90000" bIns="45000"/>
+          <a:lstStyle/>
           <a:p>
             <a:pPr algn="ctr">
               <a:lnSpc>
@@ -3385,12 +3650,12 @@
       </p:sp>
       <p:pic>
         <p:nvPicPr>
-          <p:cNvPr descr="" id="80" name="Picture 2"/>
+          <p:cNvPr id="80" name="Picture 2"/>
           <p:cNvPicPr/>
           <p:nvPr/>
         </p:nvPicPr>
         <p:blipFill>
-          <a:blip r:embed="rId1"/>
+          <a:blip r:embed="rId2"/>
           <a:stretch>
             <a:fillRect/>
           </a:stretch>
@@ -3410,22 +3675,25 @@
       </p:pic>
     </p:spTree>
   </p:cSld>
+  <p:clrMapOvr>
+    <a:masterClrMapping/>
+  </p:clrMapOvr>
   <p:timing>
     <p:tnLst>
       <p:par>
-        <p:cTn dur="indefinite" id="7" nodeType="tmRoot" restart="never">
+        <p:cTn id="1" dur="indefinite" restart="never" nodeType="tmRoot">
           <p:childTnLst>
             <p:seq>
-              <p:cTn id="8" nodeType="mainSeq"/>
+              <p:cTn id="2" nodeType="mainSeq"/>
               <p:prevCondLst>
-                <p:cond delay="0" evt="onPrev">
+                <p:cond evt="onPrev" delay="0">
                   <p:tgtEl>
                     <p:sldTgt/>
                   </p:tgtEl>
                 </p:cond>
               </p:prevCondLst>
               <p:nextCondLst>
-                <p:cond delay="0" evt="onNext">
+                <p:cond evt="onNext" delay="0">
                   <p:tgtEl>
                     <p:sldTgt/>
                   </p:tgtEl>
@@ -3441,7 +3709,7 @@
 </file>
 
 <file path=ppt/slides/slide5.xml><?xml version="1.0" encoding="utf-8"?>
-<p:sld xmlns:a="http://schemas.openxmlformats.org/drawingml/2006/main" xmlns:p="http://schemas.openxmlformats.org/presentationml/2006/main" xmlns:r="http://schemas.openxmlformats.org/officeDocument/2006/relationships">
+<p:sld xmlns:a="http://schemas.openxmlformats.org/drawingml/2006/main" xmlns:r="http://schemas.openxmlformats.org/officeDocument/2006/relationships" xmlns:p="http://schemas.openxmlformats.org/presentationml/2006/main">
   <p:cSld>
     <p:spTree>
       <p:nvGrpSpPr>
@@ -3477,7 +3745,8 @@
           </a:ln>
         </p:spPr>
         <p:txBody>
-          <a:bodyPr bIns="45000" lIns="90000" rIns="90000" tIns="45000"/>
+          <a:bodyPr lIns="90000" tIns="45000" rIns="90000" bIns="45000"/>
+          <a:lstStyle/>
           <a:p>
             <a:pPr algn="ctr">
               <a:lnSpc>
@@ -3508,12 +3777,12 @@
       </p:sp>
       <p:pic>
         <p:nvPicPr>
-          <p:cNvPr descr="" id="82" name="Picture 2"/>
+          <p:cNvPr id="82" name="Picture 2"/>
           <p:cNvPicPr/>
           <p:nvPr/>
         </p:nvPicPr>
         <p:blipFill>
-          <a:blip r:embed="rId1"/>
+          <a:blip r:embed="rId2"/>
           <a:stretch>
             <a:fillRect/>
           </a:stretch>
@@ -3551,7 +3820,8 @@
           </a:ln>
         </p:spPr>
         <p:txBody>
-          <a:bodyPr bIns="45000" lIns="90000" rIns="90000" tIns="45000"/>
+          <a:bodyPr lIns="90000" tIns="45000" rIns="90000" bIns="45000"/>
+          <a:lstStyle/>
           <a:p>
             <a:pPr algn="ctr">
               <a:lnSpc>
@@ -3582,12 +3852,12 @@
       </p:sp>
       <p:pic>
         <p:nvPicPr>
-          <p:cNvPr descr="" id="84" name="Picture 3"/>
+          <p:cNvPr id="84" name="Picture 3"/>
           <p:cNvPicPr/>
           <p:nvPr/>
         </p:nvPicPr>
         <p:blipFill>
-          <a:blip r:embed="rId2"/>
+          <a:blip r:embed="rId3"/>
           <a:stretch>
             <a:fillRect/>
           </a:stretch>
@@ -3607,22 +3877,25 @@
       </p:pic>
     </p:spTree>
   </p:cSld>
+  <p:clrMapOvr>
+    <a:masterClrMapping/>
+  </p:clrMapOvr>
   <p:timing>
     <p:tnLst>
       <p:par>
-        <p:cTn dur="indefinite" id="9" nodeType="tmRoot" restart="never">
+        <p:cTn id="1" dur="indefinite" restart="never" nodeType="tmRoot">
           <p:childTnLst>
             <p:seq>
-              <p:cTn id="10" nodeType="mainSeq"/>
+              <p:cTn id="2" nodeType="mainSeq"/>
               <p:prevCondLst>
-                <p:cond delay="0" evt="onPrev">
+                <p:cond evt="onPrev" delay="0">
                   <p:tgtEl>
                     <p:sldTgt/>
                   </p:tgtEl>
                 </p:cond>
               </p:prevCondLst>
               <p:nextCondLst>
-                <p:cond delay="0" evt="onNext">
+                <p:cond evt="onNext" delay="0">
                   <p:tgtEl>
                     <p:sldTgt/>
                   </p:tgtEl>
@@ -3638,7 +3911,7 @@
 </file>
 
 <file path=ppt/slides/slide6.xml><?xml version="1.0" encoding="utf-8"?>
-<p:sld xmlns:a="http://schemas.openxmlformats.org/drawingml/2006/main" xmlns:p="http://schemas.openxmlformats.org/presentationml/2006/main" xmlns:r="http://schemas.openxmlformats.org/officeDocument/2006/relationships">
+<p:sld xmlns:a="http://schemas.openxmlformats.org/drawingml/2006/main" xmlns:r="http://schemas.openxmlformats.org/officeDocument/2006/relationships" xmlns:p="http://schemas.openxmlformats.org/presentationml/2006/main">
   <p:cSld>
     <p:spTree>
       <p:nvGrpSpPr>
@@ -3674,7 +3947,8 @@
           </a:ln>
         </p:spPr>
         <p:txBody>
-          <a:bodyPr bIns="45000" lIns="90000" rIns="90000" tIns="45000"/>
+          <a:bodyPr lIns="90000" tIns="45000" rIns="90000" bIns="45000"/>
+          <a:lstStyle/>
           <a:p>
             <a:pPr algn="ctr">
               <a:lnSpc>
@@ -3713,12 +3987,12 @@
       </p:sp>
       <p:pic>
         <p:nvPicPr>
-          <p:cNvPr descr="" id="86" name="Picture 2"/>
+          <p:cNvPr id="86" name="Picture 2"/>
           <p:cNvPicPr/>
           <p:nvPr/>
         </p:nvPicPr>
         <p:blipFill>
-          <a:blip r:embed="rId1"/>
+          <a:blip r:embed="rId2"/>
           <a:stretch>
             <a:fillRect/>
           </a:stretch>
@@ -3756,7 +4030,8 @@
           </a:ln>
         </p:spPr>
         <p:txBody>
-          <a:bodyPr bIns="45000" lIns="90000" rIns="90000" tIns="45000"/>
+          <a:bodyPr lIns="90000" tIns="45000" rIns="90000" bIns="45000"/>
+          <a:lstStyle/>
           <a:p>
             <a:pPr algn="ctr">
               <a:lnSpc>
@@ -3795,12 +4070,12 @@
       </p:sp>
       <p:pic>
         <p:nvPicPr>
-          <p:cNvPr descr="" id="88" name="Picture 3"/>
+          <p:cNvPr id="88" name="Picture 3"/>
           <p:cNvPicPr/>
           <p:nvPr/>
         </p:nvPicPr>
         <p:blipFill>
-          <a:blip r:embed="rId2"/>
+          <a:blip r:embed="rId3"/>
           <a:stretch>
             <a:fillRect/>
           </a:stretch>
@@ -3820,22 +4095,25 @@
       </p:pic>
     </p:spTree>
   </p:cSld>
+  <p:clrMapOvr>
+    <a:masterClrMapping/>
+  </p:clrMapOvr>
   <p:timing>
     <p:tnLst>
       <p:par>
-        <p:cTn dur="indefinite" id="11" nodeType="tmRoot" restart="never">
+        <p:cTn id="1" dur="indefinite" restart="never" nodeType="tmRoot">
           <p:childTnLst>
             <p:seq>
-              <p:cTn id="12" nodeType="mainSeq"/>
+              <p:cTn id="2" nodeType="mainSeq"/>
               <p:prevCondLst>
-                <p:cond delay="0" evt="onPrev">
+                <p:cond evt="onPrev" delay="0">
                   <p:tgtEl>
                     <p:sldTgt/>
                   </p:tgtEl>
                 </p:cond>
               </p:prevCondLst>
               <p:nextCondLst>
-                <p:cond delay="0" evt="onNext">
+                <p:cond evt="onNext" delay="0">
                   <p:tgtEl>
                     <p:sldTgt/>
                   </p:tgtEl>
@@ -3851,7 +4129,7 @@
 </file>
 
 <file path=ppt/slides/slide7.xml><?xml version="1.0" encoding="utf-8"?>
-<p:sld xmlns:a="http://schemas.openxmlformats.org/drawingml/2006/main" xmlns:p="http://schemas.openxmlformats.org/presentationml/2006/main" xmlns:r="http://schemas.openxmlformats.org/officeDocument/2006/relationships">
+<p:sld xmlns:a="http://schemas.openxmlformats.org/drawingml/2006/main" xmlns:r="http://schemas.openxmlformats.org/officeDocument/2006/relationships" xmlns:p="http://schemas.openxmlformats.org/presentationml/2006/main">
   <p:cSld>
     <p:spTree>
       <p:nvGrpSpPr>
@@ -3869,32 +4147,7 @@
       </p:grpSpPr>
       <p:pic>
         <p:nvPicPr>
-          <p:cNvPr descr="" id="89" name="Picture 3"/>
-          <p:cNvPicPr/>
-          <p:nvPr/>
-        </p:nvPicPr>
-        <p:blipFill>
-          <a:blip r:embed="rId1"/>
-          <a:stretch>
-            <a:fillRect/>
-          </a:stretch>
-        </p:blipFill>
-        <p:spPr>
-          <a:xfrm>
-            <a:off x="1547640" y="836640"/>
-            <a:ext cx="6104880" cy="1351800"/>
-          </a:xfrm>
-          <a:prstGeom prst="rect">
-            <a:avLst/>
-          </a:prstGeom>
-          <a:ln w="9360">
-            <a:noFill/>
-          </a:ln>
-        </p:spPr>
-      </p:pic>
-      <p:pic>
-        <p:nvPicPr>
-          <p:cNvPr descr="" id="90" name="Picture 4"/>
+          <p:cNvPr id="89" name="Picture 3"/>
           <p:cNvPicPr/>
           <p:nvPr/>
         </p:nvPicPr>
@@ -3906,6 +4159,31 @@
         </p:blipFill>
         <p:spPr>
           <a:xfrm>
+            <a:off x="1547640" y="836640"/>
+            <a:ext cx="6104880" cy="1351800"/>
+          </a:xfrm>
+          <a:prstGeom prst="rect">
+            <a:avLst/>
+          </a:prstGeom>
+          <a:ln w="9360">
+            <a:noFill/>
+          </a:ln>
+        </p:spPr>
+      </p:pic>
+      <p:pic>
+        <p:nvPicPr>
+          <p:cNvPr id="90" name="Picture 4"/>
+          <p:cNvPicPr/>
+          <p:nvPr/>
+        </p:nvPicPr>
+        <p:blipFill>
+          <a:blip r:embed="rId3"/>
+          <a:stretch>
+            <a:fillRect/>
+          </a:stretch>
+        </p:blipFill>
+        <p:spPr>
+          <a:xfrm>
             <a:off x="395640" y="3213000"/>
             <a:ext cx="8505000" cy="3409200"/>
           </a:xfrm>
@@ -3937,7 +4215,8 @@
           </a:ln>
         </p:spPr>
         <p:txBody>
-          <a:bodyPr bIns="45000" lIns="90000" rIns="90000" tIns="45000"/>
+          <a:bodyPr lIns="90000" tIns="45000" rIns="90000" bIns="45000"/>
+          <a:lstStyle/>
           <a:p>
             <a:pPr algn="ctr">
               <a:lnSpc>
@@ -3994,7 +4273,8 @@
           </a:ln>
         </p:spPr>
         <p:txBody>
-          <a:bodyPr bIns="45000" lIns="90000" rIns="90000" tIns="45000"/>
+          <a:bodyPr lIns="90000" tIns="45000" rIns="90000" bIns="45000"/>
+          <a:lstStyle/>
           <a:p>
             <a:pPr algn="ctr">
               <a:lnSpc>
@@ -4033,22 +4313,25 @@
       </p:sp>
     </p:spTree>
   </p:cSld>
+  <p:clrMapOvr>
+    <a:masterClrMapping/>
+  </p:clrMapOvr>
   <p:timing>
     <p:tnLst>
       <p:par>
-        <p:cTn dur="indefinite" id="13" nodeType="tmRoot" restart="never">
+        <p:cTn id="1" dur="indefinite" restart="never" nodeType="tmRoot">
           <p:childTnLst>
             <p:seq>
-              <p:cTn id="14" nodeType="mainSeq"/>
+              <p:cTn id="2" nodeType="mainSeq"/>
               <p:prevCondLst>
-                <p:cond delay="0" evt="onPrev">
+                <p:cond evt="onPrev" delay="0">
                   <p:tgtEl>
                     <p:sldTgt/>
                   </p:tgtEl>
                 </p:cond>
               </p:prevCondLst>
               <p:nextCondLst>
-                <p:cond delay="0" evt="onNext">
+                <p:cond evt="onNext" delay="0">
                   <p:tgtEl>
                     <p:sldTgt/>
                   </p:tgtEl>
@@ -4064,7 +4347,7 @@
 </file>
 
 <file path=ppt/slides/slide8.xml><?xml version="1.0" encoding="utf-8"?>
-<p:sld xmlns:a="http://schemas.openxmlformats.org/drawingml/2006/main" xmlns:p="http://schemas.openxmlformats.org/presentationml/2006/main" xmlns:r="http://schemas.openxmlformats.org/officeDocument/2006/relationships">
+<p:sld xmlns:a="http://schemas.openxmlformats.org/drawingml/2006/main" xmlns:r="http://schemas.openxmlformats.org/officeDocument/2006/relationships" xmlns:p="http://schemas.openxmlformats.org/presentationml/2006/main">
   <p:cSld>
     <p:spTree>
       <p:nvGrpSpPr>
@@ -4082,12 +4365,12 @@
       </p:grpSpPr>
       <p:pic>
         <p:nvPicPr>
-          <p:cNvPr descr="" id="93" name="Picture 2"/>
+          <p:cNvPr id="93" name="Picture 2"/>
           <p:cNvPicPr/>
           <p:nvPr/>
         </p:nvPicPr>
         <p:blipFill>
-          <a:blip r:embed="rId1"/>
+          <a:blip r:embed="rId2"/>
           <a:stretch>
             <a:fillRect/>
           </a:stretch>
@@ -4125,7 +4408,8 @@
           </a:ln>
         </p:spPr>
         <p:txBody>
-          <a:bodyPr bIns="45000" lIns="90000" rIns="90000" tIns="45000"/>
+          <a:bodyPr lIns="90000" tIns="45000" rIns="90000" bIns="45000"/>
+          <a:lstStyle/>
           <a:p>
             <a:pPr algn="ctr">
               <a:lnSpc>
@@ -4164,22 +4448,25 @@
       </p:sp>
     </p:spTree>
   </p:cSld>
+  <p:clrMapOvr>
+    <a:masterClrMapping/>
+  </p:clrMapOvr>
   <p:timing>
     <p:tnLst>
       <p:par>
-        <p:cTn dur="indefinite" id="15" nodeType="tmRoot" restart="never">
+        <p:cTn id="1" dur="indefinite" restart="never" nodeType="tmRoot">
           <p:childTnLst>
             <p:seq>
-              <p:cTn id="16" nodeType="mainSeq"/>
+              <p:cTn id="2" nodeType="mainSeq"/>
               <p:prevCondLst>
-                <p:cond delay="0" evt="onPrev">
+                <p:cond evt="onPrev" delay="0">
                   <p:tgtEl>
                     <p:sldTgt/>
                   </p:tgtEl>
                 </p:cond>
               </p:prevCondLst>
               <p:nextCondLst>
-                <p:cond delay="0" evt="onNext">
+                <p:cond evt="onNext" delay="0">
                   <p:tgtEl>
                     <p:sldTgt/>
                   </p:tgtEl>
@@ -4195,7 +4482,7 @@
 </file>
 
 <file path=ppt/slides/slide9.xml><?xml version="1.0" encoding="utf-8"?>
-<p:sld xmlns:a="http://schemas.openxmlformats.org/drawingml/2006/main" xmlns:p="http://schemas.openxmlformats.org/presentationml/2006/main" xmlns:r="http://schemas.openxmlformats.org/officeDocument/2006/relationships">
+<p:sld xmlns:a="http://schemas.openxmlformats.org/drawingml/2006/main" xmlns:r="http://schemas.openxmlformats.org/officeDocument/2006/relationships" xmlns:p="http://schemas.openxmlformats.org/presentationml/2006/main">
   <p:cSld>
     <p:spTree>
       <p:nvGrpSpPr>
@@ -4231,7 +4518,8 @@
           </a:ln>
         </p:spPr>
         <p:txBody>
-          <a:bodyPr anchor="ctr" bIns="45000" lIns="90000" rIns="90000" tIns="45000"/>
+          <a:bodyPr lIns="90000" tIns="45000" rIns="90000" bIns="45000" anchor="ctr"/>
+          <a:lstStyle/>
           <a:p>
             <a:r>
               <a:rPr lang="pt-BR" sz="4400">
@@ -4257,12 +4545,12 @@
       </p:sp>
       <p:pic>
         <p:nvPicPr>
-          <p:cNvPr descr="" id="96" name="Picture 2"/>
+          <p:cNvPr id="96" name="Picture 2"/>
           <p:cNvPicPr/>
           <p:nvPr/>
         </p:nvPicPr>
         <p:blipFill>
-          <a:blip r:embed="rId1"/>
+          <a:blip r:embed="rId2"/>
           <a:stretch>
             <a:fillRect/>
           </a:stretch>
@@ -4282,22 +4570,25 @@
       </p:pic>
     </p:spTree>
   </p:cSld>
+  <p:clrMapOvr>
+    <a:masterClrMapping/>
+  </p:clrMapOvr>
   <p:timing>
     <p:tnLst>
       <p:par>
-        <p:cTn dur="indefinite" id="17" nodeType="tmRoot" restart="never">
+        <p:cTn id="1" dur="indefinite" restart="never" nodeType="tmRoot">
           <p:childTnLst>
             <p:seq>
-              <p:cTn id="18" nodeType="mainSeq"/>
+              <p:cTn id="2" nodeType="mainSeq"/>
               <p:prevCondLst>
-                <p:cond delay="0" evt="onPrev">
+                <p:cond evt="onPrev" delay="0">
                   <p:tgtEl>
                     <p:sldTgt/>
                   </p:tgtEl>
                 </p:cond>
               </p:prevCondLst>
               <p:nextCondLst>
-                <p:cond delay="0" evt="onNext">
+                <p:cond evt="onNext" delay="0">
                   <p:tgtEl>
                     <p:sldTgt/>
                   </p:tgtEl>
@@ -4532,6 +4823,8 @@
       </a:bgFillStyleLst>
     </a:fmtScheme>
   </a:themeElements>
+  <a:objectDefaults/>
+  <a:extraClrSchemeLst/>
 </a:theme>
 </file>
 
@@ -4755,5 +5048,7 @@
       </a:bgFillStyleLst>
     </a:fmtScheme>
   </a:themeElements>
+  <a:objectDefaults/>
+  <a:extraClrSchemeLst/>
 </a:theme>
 </file>